--- a/lectures/lec5/images_real.pptx
+++ b/lectures/lec5/images_real.pptx
@@ -25,6 +25,9 @@
     <p:sldId id="287" r:id="rId19"/>
     <p:sldId id="285" r:id="rId20"/>
     <p:sldId id="337" r:id="rId21"/>
+    <p:sldId id="338" r:id="rId22"/>
+    <p:sldId id="340" r:id="rId23"/>
+    <p:sldId id="339" r:id="rId24"/>
   </p:sldIdLst>
   <p:sldSz cx="12192000" cy="6858000"/>
   <p:notesSz cx="6858000" cy="9144000"/>
@@ -277,7 +280,7 @@
           <a:lstStyle/>
           <a:p>
             <a:fld id="{7BCF3E1C-D653-2142-8DF9-5C654E2CC42B}" type="datetimeFigureOut">
-              <a:t>10/6/23</a:t>
+              <a:t>2/20/25</a:t>
             </a:fld>
             <a:endParaRPr lang="en-US"/>
           </a:p>
@@ -473,7 +476,7 @@
           <a:lstStyle/>
           <a:p>
             <a:fld id="{7BCF3E1C-D653-2142-8DF9-5C654E2CC42B}" type="datetimeFigureOut">
-              <a:t>10/6/23</a:t>
+              <a:t>2/20/25</a:t>
             </a:fld>
             <a:endParaRPr lang="en-US"/>
           </a:p>
@@ -679,7 +682,7 @@
           <a:lstStyle/>
           <a:p>
             <a:fld id="{7BCF3E1C-D653-2142-8DF9-5C654E2CC42B}" type="datetimeFigureOut">
-              <a:t>10/6/23</a:t>
+              <a:t>2/20/25</a:t>
             </a:fld>
             <a:endParaRPr lang="en-US"/>
           </a:p>
@@ -875,7 +878,7 @@
           <a:lstStyle/>
           <a:p>
             <a:fld id="{7BCF3E1C-D653-2142-8DF9-5C654E2CC42B}" type="datetimeFigureOut">
-              <a:t>10/6/23</a:t>
+              <a:t>2/20/25</a:t>
             </a:fld>
             <a:endParaRPr lang="en-US"/>
           </a:p>
@@ -1148,7 +1151,7 @@
           <a:lstStyle/>
           <a:p>
             <a:fld id="{7BCF3E1C-D653-2142-8DF9-5C654E2CC42B}" type="datetimeFigureOut">
-              <a:t>10/6/23</a:t>
+              <a:t>2/20/25</a:t>
             </a:fld>
             <a:endParaRPr lang="en-US"/>
           </a:p>
@@ -1411,7 +1414,7 @@
           <a:lstStyle/>
           <a:p>
             <a:fld id="{7BCF3E1C-D653-2142-8DF9-5C654E2CC42B}" type="datetimeFigureOut">
-              <a:t>10/6/23</a:t>
+              <a:t>2/20/25</a:t>
             </a:fld>
             <a:endParaRPr lang="en-US"/>
           </a:p>
@@ -1821,7 +1824,7 @@
           <a:lstStyle/>
           <a:p>
             <a:fld id="{7BCF3E1C-D653-2142-8DF9-5C654E2CC42B}" type="datetimeFigureOut">
-              <a:t>10/6/23</a:t>
+              <a:t>2/20/25</a:t>
             </a:fld>
             <a:endParaRPr lang="en-US"/>
           </a:p>
@@ -1960,7 +1963,7 @@
           <a:lstStyle/>
           <a:p>
             <a:fld id="{7BCF3E1C-D653-2142-8DF9-5C654E2CC42B}" type="datetimeFigureOut">
-              <a:t>10/6/23</a:t>
+              <a:t>2/20/25</a:t>
             </a:fld>
             <a:endParaRPr lang="en-US"/>
           </a:p>
@@ -2071,7 +2074,7 @@
           <a:lstStyle/>
           <a:p>
             <a:fld id="{7BCF3E1C-D653-2142-8DF9-5C654E2CC42B}" type="datetimeFigureOut">
-              <a:t>10/6/23</a:t>
+              <a:t>2/20/25</a:t>
             </a:fld>
             <a:endParaRPr lang="en-US"/>
           </a:p>
@@ -2380,7 +2383,7 @@
           <a:lstStyle/>
           <a:p>
             <a:fld id="{7BCF3E1C-D653-2142-8DF9-5C654E2CC42B}" type="datetimeFigureOut">
-              <a:t>10/6/23</a:t>
+              <a:t>2/20/25</a:t>
             </a:fld>
             <a:endParaRPr lang="en-US"/>
           </a:p>
@@ -2666,7 +2669,7 @@
           <a:lstStyle/>
           <a:p>
             <a:fld id="{7BCF3E1C-D653-2142-8DF9-5C654E2CC42B}" type="datetimeFigureOut">
-              <a:t>10/6/23</a:t>
+              <a:t>2/20/25</a:t>
             </a:fld>
             <a:endParaRPr lang="en-US"/>
           </a:p>
@@ -2905,7 +2908,7 @@
           </a:lstStyle>
           <a:p>
             <a:fld id="{7BCF3E1C-D653-2142-8DF9-5C654E2CC42B}" type="datetimeFigureOut">
-              <a:t>10/6/23</a:t>
+              <a:t>2/20/25</a:t>
             </a:fld>
             <a:endParaRPr lang="en-US"/>
           </a:p>
@@ -7370,7 +7373,7 @@
           <a:lstStyle/>
           <a:p>
             <a:r>
-              <a:rPr lang="en-US" sz="2800">
+              <a:rPr lang="en-US" sz="2800" dirty="0">
                 <a:latin typeface="Fira Sans" panose="020B0503050000020004" pitchFamily="34" charset="0"/>
                 <a:ea typeface="Fira Sans" panose="020B0503050000020004" pitchFamily="34" charset="0"/>
               </a:rPr>
@@ -11866,6 +11869,2400 @@
     <p:extLst>
       <p:ext uri="{BB962C8B-B14F-4D97-AF65-F5344CB8AC3E}">
         <p14:creationId xmlns:p14="http://schemas.microsoft.com/office/powerpoint/2010/main" val="1094458138"/>
+      </p:ext>
+    </p:extLst>
+  </p:cSld>
+  <p:clrMapOvr>
+    <a:masterClrMapping/>
+  </p:clrMapOvr>
+</p:sld>
+</file>
+
+<file path=ppt/slides/slide21.xml><?xml version="1.0" encoding="utf-8"?>
+<p:sld xmlns:a="http://schemas.openxmlformats.org/drawingml/2006/main" xmlns:r="http://schemas.openxmlformats.org/officeDocument/2006/relationships" xmlns:p="http://schemas.openxmlformats.org/presentationml/2006/main">
+  <p:cSld>
+    <p:spTree>
+      <p:nvGrpSpPr>
+        <p:cNvPr id="1" name=""/>
+        <p:cNvGrpSpPr/>
+        <p:nvPr/>
+      </p:nvGrpSpPr>
+      <p:grpSpPr>
+        <a:xfrm>
+          <a:off x="0" y="0"/>
+          <a:ext cx="0" cy="0"/>
+          <a:chOff x="0" y="0"/>
+          <a:chExt cx="0" cy="0"/>
+        </a:xfrm>
+      </p:grpSpPr>
+      <p:sp>
+        <p:nvSpPr>
+          <p:cNvPr id="2" name="Rectangle 1">
+            <a:extLst>
+              <a:ext uri="{FF2B5EF4-FFF2-40B4-BE49-F238E27FC236}">
+                <a16:creationId xmlns:a16="http://schemas.microsoft.com/office/drawing/2014/main" id="{94B4BEE2-2958-F24E-BEE4-9242B1FBEBA0}"/>
+              </a:ext>
+            </a:extLst>
+          </p:cNvPr>
+          <p:cNvSpPr/>
+          <p:nvPr/>
+        </p:nvSpPr>
+        <p:spPr>
+          <a:xfrm rot="5400000">
+            <a:off x="-1577503" y="3305556"/>
+            <a:ext cx="5352288" cy="246888"/>
+          </a:xfrm>
+          <a:prstGeom prst="rect">
+            <a:avLst/>
+          </a:prstGeom>
+          <a:solidFill>
+            <a:srgbClr val="DFD693"/>
+          </a:solidFill>
+          <a:ln>
+            <a:solidFill>
+              <a:schemeClr val="tx1"/>
+            </a:solidFill>
+          </a:ln>
+        </p:spPr>
+        <p:style>
+          <a:lnRef idx="2">
+            <a:schemeClr val="accent1">
+              <a:shade val="50000"/>
+            </a:schemeClr>
+          </a:lnRef>
+          <a:fillRef idx="1">
+            <a:schemeClr val="accent1"/>
+          </a:fillRef>
+          <a:effectRef idx="0">
+            <a:schemeClr val="accent1"/>
+          </a:effectRef>
+          <a:fontRef idx="minor">
+            <a:schemeClr val="lt1"/>
+          </a:fontRef>
+        </p:style>
+        <p:txBody>
+          <a:bodyPr rtlCol="0" anchor="ctr"/>
+          <a:lstStyle/>
+          <a:p>
+            <a:pPr algn="ctr"/>
+            <a:endParaRPr lang="en-US"/>
+          </a:p>
+        </p:txBody>
+      </p:sp>
+      <p:sp>
+        <p:nvSpPr>
+          <p:cNvPr id="3" name="TextBox 2">
+            <a:extLst>
+              <a:ext uri="{FF2B5EF4-FFF2-40B4-BE49-F238E27FC236}">
+                <a16:creationId xmlns:a16="http://schemas.microsoft.com/office/drawing/2014/main" id="{C3AAA7BF-E87D-014F-AFB5-1A69D449B907}"/>
+              </a:ext>
+            </a:extLst>
+          </p:cNvPr>
+          <p:cNvSpPr txBox="1"/>
+          <p:nvPr/>
+        </p:nvSpPr>
+        <p:spPr>
+          <a:xfrm>
+            <a:off x="900452" y="5986271"/>
+            <a:ext cx="643266" cy="584775"/>
+          </a:xfrm>
+          <a:prstGeom prst="rect">
+            <a:avLst/>
+          </a:prstGeom>
+          <a:noFill/>
+        </p:spPr>
+        <p:txBody>
+          <a:bodyPr wrap="square" rtlCol="0">
+            <a:spAutoFit/>
+          </a:bodyPr>
+          <a:lstStyle/>
+          <a:p>
+            <a:r>
+              <a:rPr lang="en-US" sz="3200" dirty="0">
+                <a:latin typeface="Fira Sans" panose="020B0503050000020004" pitchFamily="34" charset="0"/>
+                <a:ea typeface="Fira Sans" panose="020B0503050000020004" pitchFamily="34" charset="0"/>
+              </a:rPr>
+              <a:t>q</a:t>
+            </a:r>
+          </a:p>
+        </p:txBody>
+      </p:sp>
+      <p:sp>
+        <p:nvSpPr>
+          <p:cNvPr id="4" name="Rectangle 3">
+            <a:extLst>
+              <a:ext uri="{FF2B5EF4-FFF2-40B4-BE49-F238E27FC236}">
+                <a16:creationId xmlns:a16="http://schemas.microsoft.com/office/drawing/2014/main" id="{84A96BA1-B967-1547-BB9E-81168ACFD910}"/>
+              </a:ext>
+            </a:extLst>
+          </p:cNvPr>
+          <p:cNvSpPr/>
+          <p:nvPr/>
+        </p:nvSpPr>
+        <p:spPr>
+          <a:xfrm rot="5400000">
+            <a:off x="581497" y="3305556"/>
+            <a:ext cx="5352288" cy="246888"/>
+          </a:xfrm>
+          <a:prstGeom prst="rect">
+            <a:avLst/>
+          </a:prstGeom>
+          <a:solidFill>
+            <a:srgbClr val="E76D00"/>
+          </a:solidFill>
+          <a:ln>
+            <a:solidFill>
+              <a:schemeClr val="tx1"/>
+            </a:solidFill>
+          </a:ln>
+        </p:spPr>
+        <p:style>
+          <a:lnRef idx="2">
+            <a:schemeClr val="accent1">
+              <a:shade val="50000"/>
+            </a:schemeClr>
+          </a:lnRef>
+          <a:fillRef idx="1">
+            <a:schemeClr val="accent1"/>
+          </a:fillRef>
+          <a:effectRef idx="0">
+            <a:schemeClr val="accent1"/>
+          </a:effectRef>
+          <a:fontRef idx="minor">
+            <a:schemeClr val="lt1"/>
+          </a:fontRef>
+        </p:style>
+        <p:txBody>
+          <a:bodyPr rtlCol="0" anchor="ctr"/>
+          <a:lstStyle/>
+          <a:p>
+            <a:pPr algn="ctr"/>
+            <a:endParaRPr lang="en-US"/>
+          </a:p>
+        </p:txBody>
+      </p:sp>
+      <p:sp>
+        <p:nvSpPr>
+          <p:cNvPr id="5" name="TextBox 4">
+            <a:extLst>
+              <a:ext uri="{FF2B5EF4-FFF2-40B4-BE49-F238E27FC236}">
+                <a16:creationId xmlns:a16="http://schemas.microsoft.com/office/drawing/2014/main" id="{95F3873A-451B-894E-839D-A23C33205B6F}"/>
+              </a:ext>
+            </a:extLst>
+          </p:cNvPr>
+          <p:cNvSpPr txBox="1"/>
+          <p:nvPr/>
+        </p:nvSpPr>
+        <p:spPr>
+          <a:xfrm>
+            <a:off x="3083397" y="6011671"/>
+            <a:ext cx="643266" cy="584775"/>
+          </a:xfrm>
+          <a:prstGeom prst="rect">
+            <a:avLst/>
+          </a:prstGeom>
+          <a:noFill/>
+        </p:spPr>
+        <p:txBody>
+          <a:bodyPr wrap="square" rtlCol="0">
+            <a:spAutoFit/>
+          </a:bodyPr>
+          <a:lstStyle/>
+          <a:p>
+            <a:r>
+              <a:rPr lang="en-US" sz="3200" dirty="0">
+                <a:latin typeface="Fira Sans" panose="020B0503050000020004" pitchFamily="34" charset="0"/>
+                <a:ea typeface="Fira Sans" panose="020B0503050000020004" pitchFamily="34" charset="0"/>
+              </a:rPr>
+              <a:t>x</a:t>
+            </a:r>
+            <a:r>
+              <a:rPr lang="en-US" sz="3200" baseline="-25000" dirty="0">
+                <a:latin typeface="Fira Sans" panose="020B0503050000020004" pitchFamily="34" charset="0"/>
+                <a:ea typeface="Fira Sans" panose="020B0503050000020004" pitchFamily="34" charset="0"/>
+              </a:rPr>
+              <a:t>1</a:t>
+            </a:r>
+            <a:endParaRPr lang="en-US" sz="3200" dirty="0">
+              <a:latin typeface="Fira Sans" panose="020B0503050000020004" pitchFamily="34" charset="0"/>
+              <a:ea typeface="Fira Sans" panose="020B0503050000020004" pitchFamily="34" charset="0"/>
+            </a:endParaRPr>
+          </a:p>
+        </p:txBody>
+      </p:sp>
+      <p:sp>
+        <p:nvSpPr>
+          <p:cNvPr id="6" name="Rectangle 5">
+            <a:extLst>
+              <a:ext uri="{FF2B5EF4-FFF2-40B4-BE49-F238E27FC236}">
+                <a16:creationId xmlns:a16="http://schemas.microsoft.com/office/drawing/2014/main" id="{C8746A4F-DEC2-3F4C-8982-08BF9627C8FD}"/>
+              </a:ext>
+            </a:extLst>
+          </p:cNvPr>
+          <p:cNvSpPr/>
+          <p:nvPr/>
+        </p:nvSpPr>
+        <p:spPr>
+          <a:xfrm rot="5400000">
+            <a:off x="1081482" y="3305556"/>
+            <a:ext cx="5352288" cy="246888"/>
+          </a:xfrm>
+          <a:prstGeom prst="rect">
+            <a:avLst/>
+          </a:prstGeom>
+          <a:solidFill>
+            <a:srgbClr val="87A7D0"/>
+          </a:solidFill>
+          <a:ln>
+            <a:solidFill>
+              <a:schemeClr val="tx1"/>
+            </a:solidFill>
+          </a:ln>
+        </p:spPr>
+        <p:style>
+          <a:lnRef idx="2">
+            <a:schemeClr val="accent1">
+              <a:shade val="50000"/>
+            </a:schemeClr>
+          </a:lnRef>
+          <a:fillRef idx="1">
+            <a:schemeClr val="accent1"/>
+          </a:fillRef>
+          <a:effectRef idx="0">
+            <a:schemeClr val="accent1"/>
+          </a:effectRef>
+          <a:fontRef idx="minor">
+            <a:schemeClr val="lt1"/>
+          </a:fontRef>
+        </p:style>
+        <p:txBody>
+          <a:bodyPr rtlCol="0" anchor="ctr"/>
+          <a:lstStyle/>
+          <a:p>
+            <a:pPr algn="ctr"/>
+            <a:endParaRPr lang="en-US" dirty="0"/>
+          </a:p>
+        </p:txBody>
+      </p:sp>
+      <p:sp>
+        <p:nvSpPr>
+          <p:cNvPr id="7" name="TextBox 6">
+            <a:extLst>
+              <a:ext uri="{FF2B5EF4-FFF2-40B4-BE49-F238E27FC236}">
+                <a16:creationId xmlns:a16="http://schemas.microsoft.com/office/drawing/2014/main" id="{78DFD45B-133E-2648-87F8-61580BFA5C5E}"/>
+              </a:ext>
+            </a:extLst>
+          </p:cNvPr>
+          <p:cNvSpPr txBox="1"/>
+          <p:nvPr/>
+        </p:nvSpPr>
+        <p:spPr>
+          <a:xfrm>
+            <a:off x="3583382" y="6011671"/>
+            <a:ext cx="643266" cy="584775"/>
+          </a:xfrm>
+          <a:prstGeom prst="rect">
+            <a:avLst/>
+          </a:prstGeom>
+          <a:noFill/>
+        </p:spPr>
+        <p:txBody>
+          <a:bodyPr wrap="square" rtlCol="0">
+            <a:spAutoFit/>
+          </a:bodyPr>
+          <a:lstStyle/>
+          <a:p>
+            <a:r>
+              <a:rPr lang="en-US" sz="3200" dirty="0">
+                <a:latin typeface="Fira Sans" panose="020B0503050000020004" pitchFamily="34" charset="0"/>
+                <a:ea typeface="Fira Sans" panose="020B0503050000020004" pitchFamily="34" charset="0"/>
+              </a:rPr>
+              <a:t>x</a:t>
+            </a:r>
+            <a:r>
+              <a:rPr lang="en-US" sz="3200" baseline="-25000" dirty="0">
+                <a:latin typeface="Fira Sans" panose="020B0503050000020004" pitchFamily="34" charset="0"/>
+                <a:ea typeface="Fira Sans" panose="020B0503050000020004" pitchFamily="34" charset="0"/>
+              </a:rPr>
+              <a:t>2</a:t>
+            </a:r>
+            <a:endParaRPr lang="en-US" sz="3200" dirty="0">
+              <a:latin typeface="Fira Sans" panose="020B0503050000020004" pitchFamily="34" charset="0"/>
+              <a:ea typeface="Fira Sans" panose="020B0503050000020004" pitchFamily="34" charset="0"/>
+            </a:endParaRPr>
+          </a:p>
+        </p:txBody>
+      </p:sp>
+      <p:sp>
+        <p:nvSpPr>
+          <p:cNvPr id="8" name="Rectangle 7">
+            <a:extLst>
+              <a:ext uri="{FF2B5EF4-FFF2-40B4-BE49-F238E27FC236}">
+                <a16:creationId xmlns:a16="http://schemas.microsoft.com/office/drawing/2014/main" id="{1242070B-58F7-2943-9745-2499CDB5A8A4}"/>
+              </a:ext>
+            </a:extLst>
+          </p:cNvPr>
+          <p:cNvSpPr/>
+          <p:nvPr/>
+        </p:nvSpPr>
+        <p:spPr>
+          <a:xfrm rot="5400000">
+            <a:off x="6263082" y="3305556"/>
+            <a:ext cx="5352288" cy="246888"/>
+          </a:xfrm>
+          <a:prstGeom prst="rect">
+            <a:avLst/>
+          </a:prstGeom>
+          <a:solidFill>
+            <a:srgbClr val="87A7D0"/>
+          </a:solidFill>
+          <a:ln>
+            <a:solidFill>
+              <a:schemeClr val="tx1"/>
+            </a:solidFill>
+          </a:ln>
+        </p:spPr>
+        <p:style>
+          <a:lnRef idx="2">
+            <a:schemeClr val="accent1">
+              <a:shade val="50000"/>
+            </a:schemeClr>
+          </a:lnRef>
+          <a:fillRef idx="1">
+            <a:schemeClr val="accent1"/>
+          </a:fillRef>
+          <a:effectRef idx="0">
+            <a:schemeClr val="accent1"/>
+          </a:effectRef>
+          <a:fontRef idx="minor">
+            <a:schemeClr val="lt1"/>
+          </a:fontRef>
+        </p:style>
+        <p:txBody>
+          <a:bodyPr rtlCol="0" anchor="ctr"/>
+          <a:lstStyle/>
+          <a:p>
+            <a:pPr algn="ctr"/>
+            <a:endParaRPr lang="en-US"/>
+          </a:p>
+        </p:txBody>
+      </p:sp>
+      <p:sp>
+        <p:nvSpPr>
+          <p:cNvPr id="9" name="TextBox 8">
+            <a:extLst>
+              <a:ext uri="{FF2B5EF4-FFF2-40B4-BE49-F238E27FC236}">
+                <a16:creationId xmlns:a16="http://schemas.microsoft.com/office/drawing/2014/main" id="{3EA2880D-A78F-5948-97D1-473F102C7CB2}"/>
+              </a:ext>
+            </a:extLst>
+          </p:cNvPr>
+          <p:cNvSpPr txBox="1"/>
+          <p:nvPr/>
+        </p:nvSpPr>
+        <p:spPr>
+          <a:xfrm>
+            <a:off x="8764982" y="6011671"/>
+            <a:ext cx="1522018" cy="584775"/>
+          </a:xfrm>
+          <a:prstGeom prst="rect">
+            <a:avLst/>
+          </a:prstGeom>
+          <a:noFill/>
+        </p:spPr>
+        <p:txBody>
+          <a:bodyPr wrap="square" rtlCol="0">
+            <a:spAutoFit/>
+          </a:bodyPr>
+          <a:lstStyle/>
+          <a:p>
+            <a:r>
+              <a:rPr lang="en-US" sz="3200" dirty="0">
+                <a:latin typeface="Fira Sans" panose="020B0503050000020004" pitchFamily="34" charset="0"/>
+                <a:ea typeface="Fira Sans" panose="020B0503050000020004" pitchFamily="34" charset="0"/>
+              </a:rPr>
+              <a:t>x</a:t>
+            </a:r>
+            <a:r>
+              <a:rPr lang="en-US" sz="3200" baseline="-25000" dirty="0">
+                <a:latin typeface="Fira Sans" panose="020B0503050000020004" pitchFamily="34" charset="0"/>
+                <a:ea typeface="Fira Sans" panose="020B0503050000020004" pitchFamily="34" charset="0"/>
+              </a:rPr>
+              <a:t>1 billion</a:t>
+            </a:r>
+            <a:endParaRPr lang="en-US" sz="3200" dirty="0">
+              <a:latin typeface="Fira Sans" panose="020B0503050000020004" pitchFamily="34" charset="0"/>
+              <a:ea typeface="Fira Sans" panose="020B0503050000020004" pitchFamily="34" charset="0"/>
+            </a:endParaRPr>
+          </a:p>
+        </p:txBody>
+      </p:sp>
+      <p:sp>
+        <p:nvSpPr>
+          <p:cNvPr id="10" name="Rectangle 9">
+            <a:extLst>
+              <a:ext uri="{FF2B5EF4-FFF2-40B4-BE49-F238E27FC236}">
+                <a16:creationId xmlns:a16="http://schemas.microsoft.com/office/drawing/2014/main" id="{238DBCBA-11E9-E94D-BD30-A175714B93C6}"/>
+              </a:ext>
+            </a:extLst>
+          </p:cNvPr>
+          <p:cNvSpPr/>
+          <p:nvPr/>
+        </p:nvSpPr>
+        <p:spPr>
+          <a:xfrm rot="5400000">
+            <a:off x="1604818" y="3305556"/>
+            <a:ext cx="5352288" cy="246888"/>
+          </a:xfrm>
+          <a:prstGeom prst="rect">
+            <a:avLst/>
+          </a:prstGeom>
+          <a:solidFill>
+            <a:srgbClr val="8CC2B7"/>
+          </a:solidFill>
+          <a:ln>
+            <a:solidFill>
+              <a:schemeClr val="tx1"/>
+            </a:solidFill>
+          </a:ln>
+        </p:spPr>
+        <p:style>
+          <a:lnRef idx="2">
+            <a:schemeClr val="accent1">
+              <a:shade val="50000"/>
+            </a:schemeClr>
+          </a:lnRef>
+          <a:fillRef idx="1">
+            <a:schemeClr val="accent1"/>
+          </a:fillRef>
+          <a:effectRef idx="0">
+            <a:schemeClr val="accent1"/>
+          </a:effectRef>
+          <a:fontRef idx="minor">
+            <a:schemeClr val="lt1"/>
+          </a:fontRef>
+        </p:style>
+        <p:txBody>
+          <a:bodyPr rtlCol="0" anchor="ctr"/>
+          <a:lstStyle/>
+          <a:p>
+            <a:pPr algn="ctr"/>
+            <a:endParaRPr lang="en-US"/>
+          </a:p>
+        </p:txBody>
+      </p:sp>
+      <p:sp>
+        <p:nvSpPr>
+          <p:cNvPr id="11" name="TextBox 10">
+            <a:extLst>
+              <a:ext uri="{FF2B5EF4-FFF2-40B4-BE49-F238E27FC236}">
+                <a16:creationId xmlns:a16="http://schemas.microsoft.com/office/drawing/2014/main" id="{082094B1-5FD5-2247-A059-965CBD0EB78B}"/>
+              </a:ext>
+            </a:extLst>
+          </p:cNvPr>
+          <p:cNvSpPr txBox="1"/>
+          <p:nvPr/>
+        </p:nvSpPr>
+        <p:spPr>
+          <a:xfrm>
+            <a:off x="4106718" y="6011671"/>
+            <a:ext cx="643266" cy="584775"/>
+          </a:xfrm>
+          <a:prstGeom prst="rect">
+            <a:avLst/>
+          </a:prstGeom>
+          <a:noFill/>
+        </p:spPr>
+        <p:txBody>
+          <a:bodyPr wrap="square" rtlCol="0">
+            <a:spAutoFit/>
+          </a:bodyPr>
+          <a:lstStyle/>
+          <a:p>
+            <a:r>
+              <a:rPr lang="en-US" sz="3200" dirty="0">
+                <a:latin typeface="Fira Sans" panose="020B0503050000020004" pitchFamily="34" charset="0"/>
+                <a:ea typeface="Fira Sans" panose="020B0503050000020004" pitchFamily="34" charset="0"/>
+              </a:rPr>
+              <a:t>x</a:t>
+            </a:r>
+            <a:r>
+              <a:rPr lang="en-US" sz="3200" baseline="-25000" dirty="0">
+                <a:latin typeface="Fira Sans" panose="020B0503050000020004" pitchFamily="34" charset="0"/>
+                <a:ea typeface="Fira Sans" panose="020B0503050000020004" pitchFamily="34" charset="0"/>
+              </a:rPr>
+              <a:t>3</a:t>
+            </a:r>
+            <a:endParaRPr lang="en-US" sz="3200" dirty="0">
+              <a:latin typeface="Fira Sans" panose="020B0503050000020004" pitchFamily="34" charset="0"/>
+              <a:ea typeface="Fira Sans" panose="020B0503050000020004" pitchFamily="34" charset="0"/>
+            </a:endParaRPr>
+          </a:p>
+        </p:txBody>
+      </p:sp>
+      <p:sp>
+        <p:nvSpPr>
+          <p:cNvPr id="12" name="Rectangle 11">
+            <a:extLst>
+              <a:ext uri="{FF2B5EF4-FFF2-40B4-BE49-F238E27FC236}">
+                <a16:creationId xmlns:a16="http://schemas.microsoft.com/office/drawing/2014/main" id="{3766D829-6C37-CB46-AA79-FC4444484E04}"/>
+              </a:ext>
+            </a:extLst>
+          </p:cNvPr>
+          <p:cNvSpPr/>
+          <p:nvPr/>
+        </p:nvSpPr>
+        <p:spPr>
+          <a:xfrm rot="5400000">
+            <a:off x="2104803" y="3305556"/>
+            <a:ext cx="5352288" cy="246888"/>
+          </a:xfrm>
+          <a:prstGeom prst="rect">
+            <a:avLst/>
+          </a:prstGeom>
+          <a:solidFill>
+            <a:srgbClr val="DFD693"/>
+          </a:solidFill>
+          <a:ln>
+            <a:solidFill>
+              <a:schemeClr val="tx1"/>
+            </a:solidFill>
+          </a:ln>
+        </p:spPr>
+        <p:style>
+          <a:lnRef idx="2">
+            <a:schemeClr val="accent1">
+              <a:shade val="50000"/>
+            </a:schemeClr>
+          </a:lnRef>
+          <a:fillRef idx="1">
+            <a:schemeClr val="accent1"/>
+          </a:fillRef>
+          <a:effectRef idx="0">
+            <a:schemeClr val="accent1"/>
+          </a:effectRef>
+          <a:fontRef idx="minor">
+            <a:schemeClr val="lt1"/>
+          </a:fontRef>
+        </p:style>
+        <p:txBody>
+          <a:bodyPr rtlCol="0" anchor="ctr"/>
+          <a:lstStyle/>
+          <a:p>
+            <a:pPr algn="ctr"/>
+            <a:endParaRPr lang="en-US"/>
+          </a:p>
+        </p:txBody>
+      </p:sp>
+      <p:sp>
+        <p:nvSpPr>
+          <p:cNvPr id="13" name="TextBox 12">
+            <a:extLst>
+              <a:ext uri="{FF2B5EF4-FFF2-40B4-BE49-F238E27FC236}">
+                <a16:creationId xmlns:a16="http://schemas.microsoft.com/office/drawing/2014/main" id="{A80F1F8A-5E66-2446-B2CC-37FAF56EE44F}"/>
+              </a:ext>
+            </a:extLst>
+          </p:cNvPr>
+          <p:cNvSpPr txBox="1"/>
+          <p:nvPr/>
+        </p:nvSpPr>
+        <p:spPr>
+          <a:xfrm>
+            <a:off x="4606703" y="6011671"/>
+            <a:ext cx="643266" cy="584775"/>
+          </a:xfrm>
+          <a:prstGeom prst="rect">
+            <a:avLst/>
+          </a:prstGeom>
+          <a:noFill/>
+        </p:spPr>
+        <p:txBody>
+          <a:bodyPr wrap="square" rtlCol="0">
+            <a:spAutoFit/>
+          </a:bodyPr>
+          <a:lstStyle/>
+          <a:p>
+            <a:r>
+              <a:rPr lang="en-US" sz="3200" dirty="0">
+                <a:latin typeface="Fira Sans" panose="020B0503050000020004" pitchFamily="34" charset="0"/>
+                <a:ea typeface="Fira Sans" panose="020B0503050000020004" pitchFamily="34" charset="0"/>
+              </a:rPr>
+              <a:t>x</a:t>
+            </a:r>
+            <a:r>
+              <a:rPr lang="en-US" sz="3200" baseline="-25000" dirty="0">
+                <a:latin typeface="Fira Sans" panose="020B0503050000020004" pitchFamily="34" charset="0"/>
+                <a:ea typeface="Fira Sans" panose="020B0503050000020004" pitchFamily="34" charset="0"/>
+              </a:rPr>
+              <a:t>4</a:t>
+            </a:r>
+            <a:endParaRPr lang="en-US" sz="3200" dirty="0">
+              <a:latin typeface="Fira Sans" panose="020B0503050000020004" pitchFamily="34" charset="0"/>
+              <a:ea typeface="Fira Sans" panose="020B0503050000020004" pitchFamily="34" charset="0"/>
+            </a:endParaRPr>
+          </a:p>
+        </p:txBody>
+      </p:sp>
+      <p:sp>
+        <p:nvSpPr>
+          <p:cNvPr id="14" name="TextBox 13">
+            <a:extLst>
+              <a:ext uri="{FF2B5EF4-FFF2-40B4-BE49-F238E27FC236}">
+                <a16:creationId xmlns:a16="http://schemas.microsoft.com/office/drawing/2014/main" id="{F73987E1-3C36-344E-9FF8-86EEB36ED1A9}"/>
+              </a:ext>
+            </a:extLst>
+          </p:cNvPr>
+          <p:cNvSpPr txBox="1"/>
+          <p:nvPr/>
+        </p:nvSpPr>
+        <p:spPr>
+          <a:xfrm>
+            <a:off x="6538453" y="3027171"/>
+            <a:ext cx="643266" cy="584775"/>
+          </a:xfrm>
+          <a:prstGeom prst="rect">
+            <a:avLst/>
+          </a:prstGeom>
+          <a:noFill/>
+        </p:spPr>
+        <p:txBody>
+          <a:bodyPr wrap="square" rtlCol="0">
+            <a:spAutoFit/>
+          </a:bodyPr>
+          <a:lstStyle/>
+          <a:p>
+            <a:r>
+              <a:rPr lang="en-US" sz="3200" dirty="0">
+                <a:latin typeface="Fira Sans" panose="020B0503050000020004" pitchFamily="34" charset="0"/>
+                <a:ea typeface="Fira Sans" panose="020B0503050000020004" pitchFamily="34" charset="0"/>
+              </a:rPr>
+              <a:t>… </a:t>
+            </a:r>
+          </a:p>
+        </p:txBody>
+      </p:sp>
+      <p:sp>
+        <p:nvSpPr>
+          <p:cNvPr id="15" name="TextBox 14">
+            <a:extLst>
+              <a:ext uri="{FF2B5EF4-FFF2-40B4-BE49-F238E27FC236}">
+                <a16:creationId xmlns:a16="http://schemas.microsoft.com/office/drawing/2014/main" id="{1EDC2103-8145-C446-B634-ECC8992B83D6}"/>
+              </a:ext>
+            </a:extLst>
+          </p:cNvPr>
+          <p:cNvSpPr txBox="1"/>
+          <p:nvPr/>
+        </p:nvSpPr>
+        <p:spPr>
+          <a:xfrm>
+            <a:off x="9934057" y="3176887"/>
+            <a:ext cx="2318105" cy="523220"/>
+          </a:xfrm>
+          <a:prstGeom prst="rect">
+            <a:avLst/>
+          </a:prstGeom>
+          <a:noFill/>
+        </p:spPr>
+        <p:txBody>
+          <a:bodyPr wrap="square" rtlCol="0">
+            <a:spAutoFit/>
+          </a:bodyPr>
+          <a:lstStyle/>
+          <a:p>
+            <a:r>
+              <a:rPr lang="en-US" sz="2800" dirty="0">
+                <a:latin typeface="Fira Sans" panose="020B0503050000020004" pitchFamily="34" charset="0"/>
+                <a:ea typeface="Fira Sans" panose="020B0503050000020004" pitchFamily="34" charset="0"/>
+              </a:rPr>
+              <a:t>d ≈ 100-1000</a:t>
+            </a:r>
+          </a:p>
+        </p:txBody>
+      </p:sp>
+      <p:sp>
+        <p:nvSpPr>
+          <p:cNvPr id="16" name="Right Brace 15">
+            <a:extLst>
+              <a:ext uri="{FF2B5EF4-FFF2-40B4-BE49-F238E27FC236}">
+                <a16:creationId xmlns:a16="http://schemas.microsoft.com/office/drawing/2014/main" id="{EB3918CD-685E-FF47-AE34-41CBD0C7157B}"/>
+              </a:ext>
+            </a:extLst>
+          </p:cNvPr>
+          <p:cNvSpPr/>
+          <p:nvPr/>
+        </p:nvSpPr>
+        <p:spPr>
+          <a:xfrm>
+            <a:off x="9525991" y="752856"/>
+            <a:ext cx="384106" cy="5352289"/>
+          </a:xfrm>
+          <a:prstGeom prst="rightBrace">
+            <a:avLst/>
+          </a:prstGeom>
+          <a:ln w="25400">
+            <a:solidFill>
+              <a:schemeClr val="tx1"/>
+            </a:solidFill>
+          </a:ln>
+        </p:spPr>
+        <p:style>
+          <a:lnRef idx="1">
+            <a:schemeClr val="accent1"/>
+          </a:lnRef>
+          <a:fillRef idx="0">
+            <a:schemeClr val="accent1"/>
+          </a:fillRef>
+          <a:effectRef idx="0">
+            <a:schemeClr val="accent1"/>
+          </a:effectRef>
+          <a:fontRef idx="minor">
+            <a:schemeClr val="tx1"/>
+          </a:fontRef>
+        </p:style>
+        <p:txBody>
+          <a:bodyPr rtlCol="0" anchor="ctr"/>
+          <a:lstStyle/>
+          <a:p>
+            <a:pPr algn="ctr"/>
+            <a:endParaRPr lang="en-US"/>
+          </a:p>
+        </p:txBody>
+      </p:sp>
+    </p:spTree>
+    <p:extLst>
+      <p:ext uri="{BB962C8B-B14F-4D97-AF65-F5344CB8AC3E}">
+        <p14:creationId xmlns:p14="http://schemas.microsoft.com/office/powerpoint/2010/main" val="1174226926"/>
+      </p:ext>
+    </p:extLst>
+  </p:cSld>
+  <p:clrMapOvr>
+    <a:masterClrMapping/>
+  </p:clrMapOvr>
+</p:sld>
+</file>
+
+<file path=ppt/slides/slide22.xml><?xml version="1.0" encoding="utf-8"?>
+<p:sld xmlns:a="http://schemas.openxmlformats.org/drawingml/2006/main" xmlns:r="http://schemas.openxmlformats.org/officeDocument/2006/relationships" xmlns:p="http://schemas.openxmlformats.org/presentationml/2006/main">
+  <p:cSld>
+    <p:spTree>
+      <p:nvGrpSpPr>
+        <p:cNvPr id="1" name=""/>
+        <p:cNvGrpSpPr/>
+        <p:nvPr/>
+      </p:nvGrpSpPr>
+      <p:grpSpPr>
+        <a:xfrm>
+          <a:off x="0" y="0"/>
+          <a:ext cx="0" cy="0"/>
+          <a:chOff x="0" y="0"/>
+          <a:chExt cx="0" cy="0"/>
+        </a:xfrm>
+      </p:grpSpPr>
+      <p:sp>
+        <p:nvSpPr>
+          <p:cNvPr id="4" name="Rectangle 3">
+            <a:extLst>
+              <a:ext uri="{FF2B5EF4-FFF2-40B4-BE49-F238E27FC236}">
+                <a16:creationId xmlns:a16="http://schemas.microsoft.com/office/drawing/2014/main" id="{84A96BA1-B967-1547-BB9E-81168ACFD910}"/>
+              </a:ext>
+            </a:extLst>
+          </p:cNvPr>
+          <p:cNvSpPr/>
+          <p:nvPr/>
+        </p:nvSpPr>
+        <p:spPr>
+          <a:xfrm rot="5400000">
+            <a:off x="-2366512" y="3053443"/>
+            <a:ext cx="5352288" cy="246888"/>
+          </a:xfrm>
+          <a:prstGeom prst="rect">
+            <a:avLst/>
+          </a:prstGeom>
+          <a:solidFill>
+            <a:srgbClr val="E76D00"/>
+          </a:solidFill>
+          <a:ln>
+            <a:solidFill>
+              <a:schemeClr val="tx1"/>
+            </a:solidFill>
+          </a:ln>
+        </p:spPr>
+        <p:style>
+          <a:lnRef idx="2">
+            <a:schemeClr val="accent1">
+              <a:shade val="50000"/>
+            </a:schemeClr>
+          </a:lnRef>
+          <a:fillRef idx="1">
+            <a:schemeClr val="accent1"/>
+          </a:fillRef>
+          <a:effectRef idx="0">
+            <a:schemeClr val="accent1"/>
+          </a:effectRef>
+          <a:fontRef idx="minor">
+            <a:schemeClr val="lt1"/>
+          </a:fontRef>
+        </p:style>
+        <p:txBody>
+          <a:bodyPr rtlCol="0" anchor="ctr"/>
+          <a:lstStyle/>
+          <a:p>
+            <a:pPr algn="ctr"/>
+            <a:endParaRPr lang="en-US"/>
+          </a:p>
+        </p:txBody>
+      </p:sp>
+      <p:sp>
+        <p:nvSpPr>
+          <p:cNvPr id="5" name="TextBox 4">
+            <a:extLst>
+              <a:ext uri="{FF2B5EF4-FFF2-40B4-BE49-F238E27FC236}">
+                <a16:creationId xmlns:a16="http://schemas.microsoft.com/office/drawing/2014/main" id="{95F3873A-451B-894E-839D-A23C33205B6F}"/>
+              </a:ext>
+            </a:extLst>
+          </p:cNvPr>
+          <p:cNvSpPr txBox="1"/>
+          <p:nvPr/>
+        </p:nvSpPr>
+        <p:spPr>
+          <a:xfrm>
+            <a:off x="135388" y="5759558"/>
+            <a:ext cx="643266" cy="584775"/>
+          </a:xfrm>
+          <a:prstGeom prst="rect">
+            <a:avLst/>
+          </a:prstGeom>
+          <a:noFill/>
+        </p:spPr>
+        <p:txBody>
+          <a:bodyPr wrap="square" rtlCol="0">
+            <a:spAutoFit/>
+          </a:bodyPr>
+          <a:lstStyle/>
+          <a:p>
+            <a:r>
+              <a:rPr lang="en-US" sz="3200" dirty="0">
+                <a:latin typeface="Fira Sans" panose="020B0503050000020004" pitchFamily="34" charset="0"/>
+                <a:ea typeface="Fira Sans" panose="020B0503050000020004" pitchFamily="34" charset="0"/>
+              </a:rPr>
+              <a:t>x</a:t>
+            </a:r>
+            <a:r>
+              <a:rPr lang="en-US" sz="3200" baseline="-25000" dirty="0">
+                <a:latin typeface="Fira Sans" panose="020B0503050000020004" pitchFamily="34" charset="0"/>
+                <a:ea typeface="Fira Sans" panose="020B0503050000020004" pitchFamily="34" charset="0"/>
+              </a:rPr>
+              <a:t>1</a:t>
+            </a:r>
+            <a:endParaRPr lang="en-US" sz="3200" dirty="0">
+              <a:latin typeface="Fira Sans" panose="020B0503050000020004" pitchFamily="34" charset="0"/>
+              <a:ea typeface="Fira Sans" panose="020B0503050000020004" pitchFamily="34" charset="0"/>
+            </a:endParaRPr>
+          </a:p>
+        </p:txBody>
+      </p:sp>
+      <p:sp>
+        <p:nvSpPr>
+          <p:cNvPr id="6" name="Rectangle 5">
+            <a:extLst>
+              <a:ext uri="{FF2B5EF4-FFF2-40B4-BE49-F238E27FC236}">
+                <a16:creationId xmlns:a16="http://schemas.microsoft.com/office/drawing/2014/main" id="{C8746A4F-DEC2-3F4C-8982-08BF9627C8FD}"/>
+              </a:ext>
+            </a:extLst>
+          </p:cNvPr>
+          <p:cNvSpPr/>
+          <p:nvPr/>
+        </p:nvSpPr>
+        <p:spPr>
+          <a:xfrm rot="5400000">
+            <a:off x="-1866527" y="3053443"/>
+            <a:ext cx="5352288" cy="246888"/>
+          </a:xfrm>
+          <a:prstGeom prst="rect">
+            <a:avLst/>
+          </a:prstGeom>
+          <a:solidFill>
+            <a:srgbClr val="87A7D0"/>
+          </a:solidFill>
+          <a:ln>
+            <a:solidFill>
+              <a:schemeClr val="tx1"/>
+            </a:solidFill>
+          </a:ln>
+        </p:spPr>
+        <p:style>
+          <a:lnRef idx="2">
+            <a:schemeClr val="accent1">
+              <a:shade val="50000"/>
+            </a:schemeClr>
+          </a:lnRef>
+          <a:fillRef idx="1">
+            <a:schemeClr val="accent1"/>
+          </a:fillRef>
+          <a:effectRef idx="0">
+            <a:schemeClr val="accent1"/>
+          </a:effectRef>
+          <a:fontRef idx="minor">
+            <a:schemeClr val="lt1"/>
+          </a:fontRef>
+        </p:style>
+        <p:txBody>
+          <a:bodyPr rtlCol="0" anchor="ctr"/>
+          <a:lstStyle/>
+          <a:p>
+            <a:pPr algn="ctr"/>
+            <a:endParaRPr lang="en-US" dirty="0"/>
+          </a:p>
+        </p:txBody>
+      </p:sp>
+      <p:sp>
+        <p:nvSpPr>
+          <p:cNvPr id="7" name="TextBox 6">
+            <a:extLst>
+              <a:ext uri="{FF2B5EF4-FFF2-40B4-BE49-F238E27FC236}">
+                <a16:creationId xmlns:a16="http://schemas.microsoft.com/office/drawing/2014/main" id="{78DFD45B-133E-2648-87F8-61580BFA5C5E}"/>
+              </a:ext>
+            </a:extLst>
+          </p:cNvPr>
+          <p:cNvSpPr txBox="1"/>
+          <p:nvPr/>
+        </p:nvSpPr>
+        <p:spPr>
+          <a:xfrm>
+            <a:off x="635373" y="5759558"/>
+            <a:ext cx="643266" cy="584775"/>
+          </a:xfrm>
+          <a:prstGeom prst="rect">
+            <a:avLst/>
+          </a:prstGeom>
+          <a:noFill/>
+        </p:spPr>
+        <p:txBody>
+          <a:bodyPr wrap="square" rtlCol="0">
+            <a:spAutoFit/>
+          </a:bodyPr>
+          <a:lstStyle/>
+          <a:p>
+            <a:r>
+              <a:rPr lang="en-US" sz="3200" dirty="0">
+                <a:latin typeface="Fira Sans" panose="020B0503050000020004" pitchFamily="34" charset="0"/>
+                <a:ea typeface="Fira Sans" panose="020B0503050000020004" pitchFamily="34" charset="0"/>
+              </a:rPr>
+              <a:t>x</a:t>
+            </a:r>
+            <a:r>
+              <a:rPr lang="en-US" sz="3200" baseline="-25000" dirty="0">
+                <a:latin typeface="Fira Sans" panose="020B0503050000020004" pitchFamily="34" charset="0"/>
+                <a:ea typeface="Fira Sans" panose="020B0503050000020004" pitchFamily="34" charset="0"/>
+              </a:rPr>
+              <a:t>2</a:t>
+            </a:r>
+            <a:endParaRPr lang="en-US" sz="3200" dirty="0">
+              <a:latin typeface="Fira Sans" panose="020B0503050000020004" pitchFamily="34" charset="0"/>
+              <a:ea typeface="Fira Sans" panose="020B0503050000020004" pitchFamily="34" charset="0"/>
+            </a:endParaRPr>
+          </a:p>
+        </p:txBody>
+      </p:sp>
+      <p:sp>
+        <p:nvSpPr>
+          <p:cNvPr id="8" name="Rectangle 7">
+            <a:extLst>
+              <a:ext uri="{FF2B5EF4-FFF2-40B4-BE49-F238E27FC236}">
+                <a16:creationId xmlns:a16="http://schemas.microsoft.com/office/drawing/2014/main" id="{1242070B-58F7-2943-9745-2499CDB5A8A4}"/>
+              </a:ext>
+            </a:extLst>
+          </p:cNvPr>
+          <p:cNvSpPr/>
+          <p:nvPr/>
+        </p:nvSpPr>
+        <p:spPr>
+          <a:xfrm rot="5400000">
+            <a:off x="614659" y="3053443"/>
+            <a:ext cx="5352288" cy="246888"/>
+          </a:xfrm>
+          <a:prstGeom prst="rect">
+            <a:avLst/>
+          </a:prstGeom>
+          <a:solidFill>
+            <a:srgbClr val="87A7D0"/>
+          </a:solidFill>
+          <a:ln>
+            <a:solidFill>
+              <a:schemeClr val="tx1"/>
+            </a:solidFill>
+          </a:ln>
+        </p:spPr>
+        <p:style>
+          <a:lnRef idx="2">
+            <a:schemeClr val="accent1">
+              <a:shade val="50000"/>
+            </a:schemeClr>
+          </a:lnRef>
+          <a:fillRef idx="1">
+            <a:schemeClr val="accent1"/>
+          </a:fillRef>
+          <a:effectRef idx="0">
+            <a:schemeClr val="accent1"/>
+          </a:effectRef>
+          <a:fontRef idx="minor">
+            <a:schemeClr val="lt1"/>
+          </a:fontRef>
+        </p:style>
+        <p:txBody>
+          <a:bodyPr rtlCol="0" anchor="ctr"/>
+          <a:lstStyle/>
+          <a:p>
+            <a:pPr algn="ctr"/>
+            <a:endParaRPr lang="en-US"/>
+          </a:p>
+        </p:txBody>
+      </p:sp>
+      <p:sp>
+        <p:nvSpPr>
+          <p:cNvPr id="9" name="TextBox 8">
+            <a:extLst>
+              <a:ext uri="{FF2B5EF4-FFF2-40B4-BE49-F238E27FC236}">
+                <a16:creationId xmlns:a16="http://schemas.microsoft.com/office/drawing/2014/main" id="{3EA2880D-A78F-5948-97D1-473F102C7CB2}"/>
+              </a:ext>
+            </a:extLst>
+          </p:cNvPr>
+          <p:cNvSpPr txBox="1"/>
+          <p:nvPr/>
+        </p:nvSpPr>
+        <p:spPr>
+          <a:xfrm>
+            <a:off x="3116559" y="5759558"/>
+            <a:ext cx="1522018" cy="584775"/>
+          </a:xfrm>
+          <a:prstGeom prst="rect">
+            <a:avLst/>
+          </a:prstGeom>
+          <a:noFill/>
+        </p:spPr>
+        <p:txBody>
+          <a:bodyPr wrap="square" rtlCol="0">
+            <a:spAutoFit/>
+          </a:bodyPr>
+          <a:lstStyle/>
+          <a:p>
+            <a:r>
+              <a:rPr lang="en-US" sz="3200" dirty="0">
+                <a:latin typeface="Fira Sans" panose="020B0503050000020004" pitchFamily="34" charset="0"/>
+                <a:ea typeface="Fira Sans" panose="020B0503050000020004" pitchFamily="34" charset="0"/>
+              </a:rPr>
+              <a:t>x</a:t>
+            </a:r>
+            <a:r>
+              <a:rPr lang="en-US" sz="3200" baseline="-25000" dirty="0">
+                <a:latin typeface="Fira Sans" panose="020B0503050000020004" pitchFamily="34" charset="0"/>
+                <a:ea typeface="Fira Sans" panose="020B0503050000020004" pitchFamily="34" charset="0"/>
+              </a:rPr>
+              <a:t>1 billion</a:t>
+            </a:r>
+            <a:endParaRPr lang="en-US" sz="3200" dirty="0">
+              <a:latin typeface="Fira Sans" panose="020B0503050000020004" pitchFamily="34" charset="0"/>
+              <a:ea typeface="Fira Sans" panose="020B0503050000020004" pitchFamily="34" charset="0"/>
+            </a:endParaRPr>
+          </a:p>
+        </p:txBody>
+      </p:sp>
+      <p:sp>
+        <p:nvSpPr>
+          <p:cNvPr id="10" name="Rectangle 9">
+            <a:extLst>
+              <a:ext uri="{FF2B5EF4-FFF2-40B4-BE49-F238E27FC236}">
+                <a16:creationId xmlns:a16="http://schemas.microsoft.com/office/drawing/2014/main" id="{238DBCBA-11E9-E94D-BD30-A175714B93C6}"/>
+              </a:ext>
+            </a:extLst>
+          </p:cNvPr>
+          <p:cNvSpPr/>
+          <p:nvPr/>
+        </p:nvSpPr>
+        <p:spPr>
+          <a:xfrm rot="5400000">
+            <a:off x="-1343191" y="3053443"/>
+            <a:ext cx="5352288" cy="246888"/>
+          </a:xfrm>
+          <a:prstGeom prst="rect">
+            <a:avLst/>
+          </a:prstGeom>
+          <a:solidFill>
+            <a:srgbClr val="8CC2B7"/>
+          </a:solidFill>
+          <a:ln>
+            <a:solidFill>
+              <a:schemeClr val="tx1"/>
+            </a:solidFill>
+          </a:ln>
+        </p:spPr>
+        <p:style>
+          <a:lnRef idx="2">
+            <a:schemeClr val="accent1">
+              <a:shade val="50000"/>
+            </a:schemeClr>
+          </a:lnRef>
+          <a:fillRef idx="1">
+            <a:schemeClr val="accent1"/>
+          </a:fillRef>
+          <a:effectRef idx="0">
+            <a:schemeClr val="accent1"/>
+          </a:effectRef>
+          <a:fontRef idx="minor">
+            <a:schemeClr val="lt1"/>
+          </a:fontRef>
+        </p:style>
+        <p:txBody>
+          <a:bodyPr rtlCol="0" anchor="ctr"/>
+          <a:lstStyle/>
+          <a:p>
+            <a:pPr algn="ctr"/>
+            <a:endParaRPr lang="en-US"/>
+          </a:p>
+        </p:txBody>
+      </p:sp>
+      <p:sp>
+        <p:nvSpPr>
+          <p:cNvPr id="11" name="TextBox 10">
+            <a:extLst>
+              <a:ext uri="{FF2B5EF4-FFF2-40B4-BE49-F238E27FC236}">
+                <a16:creationId xmlns:a16="http://schemas.microsoft.com/office/drawing/2014/main" id="{082094B1-5FD5-2247-A059-965CBD0EB78B}"/>
+              </a:ext>
+            </a:extLst>
+          </p:cNvPr>
+          <p:cNvSpPr txBox="1"/>
+          <p:nvPr/>
+        </p:nvSpPr>
+        <p:spPr>
+          <a:xfrm>
+            <a:off x="1158709" y="5759558"/>
+            <a:ext cx="643266" cy="584775"/>
+          </a:xfrm>
+          <a:prstGeom prst="rect">
+            <a:avLst/>
+          </a:prstGeom>
+          <a:noFill/>
+        </p:spPr>
+        <p:txBody>
+          <a:bodyPr wrap="square" rtlCol="0">
+            <a:spAutoFit/>
+          </a:bodyPr>
+          <a:lstStyle/>
+          <a:p>
+            <a:r>
+              <a:rPr lang="en-US" sz="3200" dirty="0">
+                <a:latin typeface="Fira Sans" panose="020B0503050000020004" pitchFamily="34" charset="0"/>
+                <a:ea typeface="Fira Sans" panose="020B0503050000020004" pitchFamily="34" charset="0"/>
+              </a:rPr>
+              <a:t>x</a:t>
+            </a:r>
+            <a:r>
+              <a:rPr lang="en-US" sz="3200" baseline="-25000" dirty="0">
+                <a:latin typeface="Fira Sans" panose="020B0503050000020004" pitchFamily="34" charset="0"/>
+                <a:ea typeface="Fira Sans" panose="020B0503050000020004" pitchFamily="34" charset="0"/>
+              </a:rPr>
+              <a:t>3</a:t>
+            </a:r>
+            <a:endParaRPr lang="en-US" sz="3200" dirty="0">
+              <a:latin typeface="Fira Sans" panose="020B0503050000020004" pitchFamily="34" charset="0"/>
+              <a:ea typeface="Fira Sans" panose="020B0503050000020004" pitchFamily="34" charset="0"/>
+            </a:endParaRPr>
+          </a:p>
+        </p:txBody>
+      </p:sp>
+      <p:sp>
+        <p:nvSpPr>
+          <p:cNvPr id="12" name="Rectangle 11">
+            <a:extLst>
+              <a:ext uri="{FF2B5EF4-FFF2-40B4-BE49-F238E27FC236}">
+                <a16:creationId xmlns:a16="http://schemas.microsoft.com/office/drawing/2014/main" id="{3766D829-6C37-CB46-AA79-FC4444484E04}"/>
+              </a:ext>
+            </a:extLst>
+          </p:cNvPr>
+          <p:cNvSpPr/>
+          <p:nvPr/>
+        </p:nvSpPr>
+        <p:spPr>
+          <a:xfrm rot="5400000">
+            <a:off x="-843206" y="3053443"/>
+            <a:ext cx="5352288" cy="246888"/>
+          </a:xfrm>
+          <a:prstGeom prst="rect">
+            <a:avLst/>
+          </a:prstGeom>
+          <a:solidFill>
+            <a:srgbClr val="DFD693"/>
+          </a:solidFill>
+          <a:ln>
+            <a:solidFill>
+              <a:schemeClr val="tx1"/>
+            </a:solidFill>
+          </a:ln>
+        </p:spPr>
+        <p:style>
+          <a:lnRef idx="2">
+            <a:schemeClr val="accent1">
+              <a:shade val="50000"/>
+            </a:schemeClr>
+          </a:lnRef>
+          <a:fillRef idx="1">
+            <a:schemeClr val="accent1"/>
+          </a:fillRef>
+          <a:effectRef idx="0">
+            <a:schemeClr val="accent1"/>
+          </a:effectRef>
+          <a:fontRef idx="minor">
+            <a:schemeClr val="lt1"/>
+          </a:fontRef>
+        </p:style>
+        <p:txBody>
+          <a:bodyPr rtlCol="0" anchor="ctr"/>
+          <a:lstStyle/>
+          <a:p>
+            <a:pPr algn="ctr"/>
+            <a:endParaRPr lang="en-US"/>
+          </a:p>
+        </p:txBody>
+      </p:sp>
+      <p:sp>
+        <p:nvSpPr>
+          <p:cNvPr id="13" name="TextBox 12">
+            <a:extLst>
+              <a:ext uri="{FF2B5EF4-FFF2-40B4-BE49-F238E27FC236}">
+                <a16:creationId xmlns:a16="http://schemas.microsoft.com/office/drawing/2014/main" id="{A80F1F8A-5E66-2446-B2CC-37FAF56EE44F}"/>
+              </a:ext>
+            </a:extLst>
+          </p:cNvPr>
+          <p:cNvSpPr txBox="1"/>
+          <p:nvPr/>
+        </p:nvSpPr>
+        <p:spPr>
+          <a:xfrm>
+            <a:off x="1658694" y="5759558"/>
+            <a:ext cx="643266" cy="584775"/>
+          </a:xfrm>
+          <a:prstGeom prst="rect">
+            <a:avLst/>
+          </a:prstGeom>
+          <a:noFill/>
+        </p:spPr>
+        <p:txBody>
+          <a:bodyPr wrap="square" rtlCol="0">
+            <a:spAutoFit/>
+          </a:bodyPr>
+          <a:lstStyle/>
+          <a:p>
+            <a:r>
+              <a:rPr lang="en-US" sz="3200" dirty="0">
+                <a:latin typeface="Fira Sans" panose="020B0503050000020004" pitchFamily="34" charset="0"/>
+                <a:ea typeface="Fira Sans" panose="020B0503050000020004" pitchFamily="34" charset="0"/>
+              </a:rPr>
+              <a:t>x</a:t>
+            </a:r>
+            <a:r>
+              <a:rPr lang="en-US" sz="3200" baseline="-25000" dirty="0">
+                <a:latin typeface="Fira Sans" panose="020B0503050000020004" pitchFamily="34" charset="0"/>
+                <a:ea typeface="Fira Sans" panose="020B0503050000020004" pitchFamily="34" charset="0"/>
+              </a:rPr>
+              <a:t>4</a:t>
+            </a:r>
+            <a:endParaRPr lang="en-US" sz="3200" dirty="0">
+              <a:latin typeface="Fira Sans" panose="020B0503050000020004" pitchFamily="34" charset="0"/>
+              <a:ea typeface="Fira Sans" panose="020B0503050000020004" pitchFamily="34" charset="0"/>
+            </a:endParaRPr>
+          </a:p>
+        </p:txBody>
+      </p:sp>
+      <p:sp>
+        <p:nvSpPr>
+          <p:cNvPr id="14" name="TextBox 13">
+            <a:extLst>
+              <a:ext uri="{FF2B5EF4-FFF2-40B4-BE49-F238E27FC236}">
+                <a16:creationId xmlns:a16="http://schemas.microsoft.com/office/drawing/2014/main" id="{F73987E1-3C36-344E-9FF8-86EEB36ED1A9}"/>
+              </a:ext>
+            </a:extLst>
+          </p:cNvPr>
+          <p:cNvSpPr txBox="1"/>
+          <p:nvPr/>
+        </p:nvSpPr>
+        <p:spPr>
+          <a:xfrm>
+            <a:off x="2301960" y="2680753"/>
+            <a:ext cx="643266" cy="584775"/>
+          </a:xfrm>
+          <a:prstGeom prst="rect">
+            <a:avLst/>
+          </a:prstGeom>
+          <a:noFill/>
+        </p:spPr>
+        <p:txBody>
+          <a:bodyPr wrap="square" rtlCol="0">
+            <a:spAutoFit/>
+          </a:bodyPr>
+          <a:lstStyle/>
+          <a:p>
+            <a:r>
+              <a:rPr lang="en-US" sz="3200" dirty="0">
+                <a:latin typeface="Fira Sans" panose="020B0503050000020004" pitchFamily="34" charset="0"/>
+                <a:ea typeface="Fira Sans" panose="020B0503050000020004" pitchFamily="34" charset="0"/>
+              </a:rPr>
+              <a:t>… </a:t>
+            </a:r>
+          </a:p>
+        </p:txBody>
+      </p:sp>
+      <p:sp>
+        <p:nvSpPr>
+          <p:cNvPr id="17" name="Rectangle 16">
+            <a:extLst>
+              <a:ext uri="{FF2B5EF4-FFF2-40B4-BE49-F238E27FC236}">
+                <a16:creationId xmlns:a16="http://schemas.microsoft.com/office/drawing/2014/main" id="{12916969-3AF1-8148-A59A-52595DE74E43}"/>
+              </a:ext>
+            </a:extLst>
+          </p:cNvPr>
+          <p:cNvSpPr/>
+          <p:nvPr/>
+        </p:nvSpPr>
+        <p:spPr>
+          <a:xfrm rot="5400000">
+            <a:off x="5141781" y="1396063"/>
+            <a:ext cx="2011680" cy="246888"/>
+          </a:xfrm>
+          <a:prstGeom prst="rect">
+            <a:avLst/>
+          </a:prstGeom>
+          <a:solidFill>
+            <a:srgbClr val="E76D00"/>
+          </a:solidFill>
+          <a:ln>
+            <a:solidFill>
+              <a:schemeClr val="tx1"/>
+            </a:solidFill>
+          </a:ln>
+        </p:spPr>
+        <p:style>
+          <a:lnRef idx="2">
+            <a:schemeClr val="accent1">
+              <a:shade val="50000"/>
+            </a:schemeClr>
+          </a:lnRef>
+          <a:fillRef idx="1">
+            <a:schemeClr val="accent1"/>
+          </a:fillRef>
+          <a:effectRef idx="0">
+            <a:schemeClr val="accent1"/>
+          </a:effectRef>
+          <a:fontRef idx="minor">
+            <a:schemeClr val="lt1"/>
+          </a:fontRef>
+        </p:style>
+        <p:txBody>
+          <a:bodyPr rtlCol="0" anchor="ctr"/>
+          <a:lstStyle/>
+          <a:p>
+            <a:pPr algn="ctr"/>
+            <a:endParaRPr lang="en-US"/>
+          </a:p>
+        </p:txBody>
+      </p:sp>
+      <p:sp>
+        <p:nvSpPr>
+          <p:cNvPr id="19" name="Rectangle 18">
+            <a:extLst>
+              <a:ext uri="{FF2B5EF4-FFF2-40B4-BE49-F238E27FC236}">
+                <a16:creationId xmlns:a16="http://schemas.microsoft.com/office/drawing/2014/main" id="{A6B6761A-0400-3F4F-AD00-D466E701E4FF}"/>
+              </a:ext>
+            </a:extLst>
+          </p:cNvPr>
+          <p:cNvSpPr/>
+          <p:nvPr/>
+        </p:nvSpPr>
+        <p:spPr>
+          <a:xfrm rot="5400000">
+            <a:off x="5641766" y="1396063"/>
+            <a:ext cx="2011680" cy="246888"/>
+          </a:xfrm>
+          <a:prstGeom prst="rect">
+            <a:avLst/>
+          </a:prstGeom>
+          <a:solidFill>
+            <a:srgbClr val="87A7D0"/>
+          </a:solidFill>
+          <a:ln>
+            <a:solidFill>
+              <a:schemeClr val="tx1"/>
+            </a:solidFill>
+          </a:ln>
+        </p:spPr>
+        <p:style>
+          <a:lnRef idx="2">
+            <a:schemeClr val="accent1">
+              <a:shade val="50000"/>
+            </a:schemeClr>
+          </a:lnRef>
+          <a:fillRef idx="1">
+            <a:schemeClr val="accent1"/>
+          </a:fillRef>
+          <a:effectRef idx="0">
+            <a:schemeClr val="accent1"/>
+          </a:effectRef>
+          <a:fontRef idx="minor">
+            <a:schemeClr val="lt1"/>
+          </a:fontRef>
+        </p:style>
+        <p:txBody>
+          <a:bodyPr rtlCol="0" anchor="ctr"/>
+          <a:lstStyle/>
+          <a:p>
+            <a:pPr algn="ctr"/>
+            <a:endParaRPr lang="en-US" dirty="0"/>
+          </a:p>
+        </p:txBody>
+      </p:sp>
+      <p:sp>
+        <p:nvSpPr>
+          <p:cNvPr id="21" name="Rectangle 20">
+            <a:extLst>
+              <a:ext uri="{FF2B5EF4-FFF2-40B4-BE49-F238E27FC236}">
+                <a16:creationId xmlns:a16="http://schemas.microsoft.com/office/drawing/2014/main" id="{282C2272-E63E-DA46-AA92-E848B5DAD99D}"/>
+              </a:ext>
+            </a:extLst>
+          </p:cNvPr>
+          <p:cNvSpPr/>
+          <p:nvPr/>
+        </p:nvSpPr>
+        <p:spPr>
+          <a:xfrm rot="5400000">
+            <a:off x="8122952" y="1396063"/>
+            <a:ext cx="2011680" cy="246888"/>
+          </a:xfrm>
+          <a:prstGeom prst="rect">
+            <a:avLst/>
+          </a:prstGeom>
+          <a:solidFill>
+            <a:srgbClr val="87A7D0"/>
+          </a:solidFill>
+          <a:ln>
+            <a:solidFill>
+              <a:schemeClr val="tx1"/>
+            </a:solidFill>
+          </a:ln>
+        </p:spPr>
+        <p:style>
+          <a:lnRef idx="2">
+            <a:schemeClr val="accent1">
+              <a:shade val="50000"/>
+            </a:schemeClr>
+          </a:lnRef>
+          <a:fillRef idx="1">
+            <a:schemeClr val="accent1"/>
+          </a:fillRef>
+          <a:effectRef idx="0">
+            <a:schemeClr val="accent1"/>
+          </a:effectRef>
+          <a:fontRef idx="minor">
+            <a:schemeClr val="lt1"/>
+          </a:fontRef>
+        </p:style>
+        <p:txBody>
+          <a:bodyPr rtlCol="0" anchor="ctr"/>
+          <a:lstStyle/>
+          <a:p>
+            <a:pPr algn="ctr"/>
+            <a:endParaRPr lang="en-US"/>
+          </a:p>
+        </p:txBody>
+      </p:sp>
+      <p:sp>
+        <p:nvSpPr>
+          <p:cNvPr id="23" name="Rectangle 22">
+            <a:extLst>
+              <a:ext uri="{FF2B5EF4-FFF2-40B4-BE49-F238E27FC236}">
+                <a16:creationId xmlns:a16="http://schemas.microsoft.com/office/drawing/2014/main" id="{D342344E-9804-2F41-8764-C3BC27BB0AF1}"/>
+              </a:ext>
+            </a:extLst>
+          </p:cNvPr>
+          <p:cNvSpPr/>
+          <p:nvPr/>
+        </p:nvSpPr>
+        <p:spPr>
+          <a:xfrm rot="5400000">
+            <a:off x="6165102" y="1396063"/>
+            <a:ext cx="2011680" cy="246888"/>
+          </a:xfrm>
+          <a:prstGeom prst="rect">
+            <a:avLst/>
+          </a:prstGeom>
+          <a:solidFill>
+            <a:srgbClr val="8CC2B7"/>
+          </a:solidFill>
+          <a:ln>
+            <a:solidFill>
+              <a:schemeClr val="tx1"/>
+            </a:solidFill>
+          </a:ln>
+        </p:spPr>
+        <p:style>
+          <a:lnRef idx="2">
+            <a:schemeClr val="accent1">
+              <a:shade val="50000"/>
+            </a:schemeClr>
+          </a:lnRef>
+          <a:fillRef idx="1">
+            <a:schemeClr val="accent1"/>
+          </a:fillRef>
+          <a:effectRef idx="0">
+            <a:schemeClr val="accent1"/>
+          </a:effectRef>
+          <a:fontRef idx="minor">
+            <a:schemeClr val="lt1"/>
+          </a:fontRef>
+        </p:style>
+        <p:txBody>
+          <a:bodyPr rtlCol="0" anchor="ctr"/>
+          <a:lstStyle/>
+          <a:p>
+            <a:pPr algn="ctr"/>
+            <a:endParaRPr lang="en-US"/>
+          </a:p>
+        </p:txBody>
+      </p:sp>
+      <p:sp>
+        <p:nvSpPr>
+          <p:cNvPr id="25" name="Rectangle 24">
+            <a:extLst>
+              <a:ext uri="{FF2B5EF4-FFF2-40B4-BE49-F238E27FC236}">
+                <a16:creationId xmlns:a16="http://schemas.microsoft.com/office/drawing/2014/main" id="{43E204DC-7A9E-7740-A32A-A3A624FDFFCD}"/>
+              </a:ext>
+            </a:extLst>
+          </p:cNvPr>
+          <p:cNvSpPr/>
+          <p:nvPr/>
+        </p:nvSpPr>
+        <p:spPr>
+          <a:xfrm rot="5400000">
+            <a:off x="6665087" y="1396063"/>
+            <a:ext cx="2011680" cy="246888"/>
+          </a:xfrm>
+          <a:prstGeom prst="rect">
+            <a:avLst/>
+          </a:prstGeom>
+          <a:solidFill>
+            <a:srgbClr val="DFD693"/>
+          </a:solidFill>
+          <a:ln>
+            <a:solidFill>
+              <a:schemeClr val="tx1"/>
+            </a:solidFill>
+          </a:ln>
+        </p:spPr>
+        <p:style>
+          <a:lnRef idx="2">
+            <a:schemeClr val="accent1">
+              <a:shade val="50000"/>
+            </a:schemeClr>
+          </a:lnRef>
+          <a:fillRef idx="1">
+            <a:schemeClr val="accent1"/>
+          </a:fillRef>
+          <a:effectRef idx="0">
+            <a:schemeClr val="accent1"/>
+          </a:effectRef>
+          <a:fontRef idx="minor">
+            <a:schemeClr val="lt1"/>
+          </a:fontRef>
+        </p:style>
+        <p:txBody>
+          <a:bodyPr rtlCol="0" anchor="ctr"/>
+          <a:lstStyle/>
+          <a:p>
+            <a:pPr algn="ctr"/>
+            <a:endParaRPr lang="en-US"/>
+          </a:p>
+        </p:txBody>
+      </p:sp>
+      <p:sp>
+        <p:nvSpPr>
+          <p:cNvPr id="27" name="TextBox 26">
+            <a:extLst>
+              <a:ext uri="{FF2B5EF4-FFF2-40B4-BE49-F238E27FC236}">
+                <a16:creationId xmlns:a16="http://schemas.microsoft.com/office/drawing/2014/main" id="{2F00FB9E-9D17-0D40-B45A-6F4FC5BFCDF6}"/>
+              </a:ext>
+            </a:extLst>
+          </p:cNvPr>
+          <p:cNvSpPr txBox="1"/>
+          <p:nvPr/>
+        </p:nvSpPr>
+        <p:spPr>
+          <a:xfrm>
+            <a:off x="8078226" y="1088812"/>
+            <a:ext cx="643266" cy="584775"/>
+          </a:xfrm>
+          <a:prstGeom prst="rect">
+            <a:avLst/>
+          </a:prstGeom>
+          <a:noFill/>
+        </p:spPr>
+        <p:txBody>
+          <a:bodyPr wrap="square" rtlCol="0">
+            <a:spAutoFit/>
+          </a:bodyPr>
+          <a:lstStyle/>
+          <a:p>
+            <a:r>
+              <a:rPr lang="en-US" sz="3200" dirty="0">
+                <a:latin typeface="Fira Sans" panose="020B0503050000020004" pitchFamily="34" charset="0"/>
+                <a:ea typeface="Fira Sans" panose="020B0503050000020004" pitchFamily="34" charset="0"/>
+              </a:rPr>
+              <a:t>… </a:t>
+            </a:r>
+          </a:p>
+        </p:txBody>
+      </p:sp>
+      <p:sp>
+        <p:nvSpPr>
+          <p:cNvPr id="28" name="Down Arrow 27">
+            <a:extLst>
+              <a:ext uri="{FF2B5EF4-FFF2-40B4-BE49-F238E27FC236}">
+                <a16:creationId xmlns:a16="http://schemas.microsoft.com/office/drawing/2014/main" id="{F25AA5EC-DA08-1A41-B8E7-D6E6391B887F}"/>
+              </a:ext>
+            </a:extLst>
+          </p:cNvPr>
+          <p:cNvSpPr/>
+          <p:nvPr/>
+        </p:nvSpPr>
+        <p:spPr>
+          <a:xfrm rot="16200000">
+            <a:off x="4415715" y="1366034"/>
+            <a:ext cx="464018" cy="770965"/>
+          </a:xfrm>
+          <a:prstGeom prst="downArrow">
+            <a:avLst/>
+          </a:prstGeom>
+          <a:solidFill>
+            <a:schemeClr val="tx1"/>
+          </a:solidFill>
+          <a:ln>
+            <a:noFill/>
+          </a:ln>
+        </p:spPr>
+        <p:style>
+          <a:lnRef idx="2">
+            <a:schemeClr val="accent1">
+              <a:shade val="50000"/>
+            </a:schemeClr>
+          </a:lnRef>
+          <a:fillRef idx="1">
+            <a:schemeClr val="accent1"/>
+          </a:fillRef>
+          <a:effectRef idx="0">
+            <a:schemeClr val="accent1"/>
+          </a:effectRef>
+          <a:fontRef idx="minor">
+            <a:schemeClr val="lt1"/>
+          </a:fontRef>
+        </p:style>
+        <p:txBody>
+          <a:bodyPr rtlCol="0" anchor="ctr"/>
+          <a:lstStyle/>
+          <a:p>
+            <a:pPr algn="ctr"/>
+            <a:endParaRPr lang="en-US"/>
+          </a:p>
+        </p:txBody>
+      </p:sp>
+      <p:sp>
+        <p:nvSpPr>
+          <p:cNvPr id="29" name="TextBox 28">
+            <a:extLst>
+              <a:ext uri="{FF2B5EF4-FFF2-40B4-BE49-F238E27FC236}">
+                <a16:creationId xmlns:a16="http://schemas.microsoft.com/office/drawing/2014/main" id="{878B1DD8-54B8-FA40-B1BD-AF7E8544DD88}"/>
+              </a:ext>
+            </a:extLst>
+          </p:cNvPr>
+          <p:cNvSpPr txBox="1"/>
+          <p:nvPr/>
+        </p:nvSpPr>
+        <p:spPr>
+          <a:xfrm>
+            <a:off x="5973377" y="2388365"/>
+            <a:ext cx="643266" cy="584775"/>
+          </a:xfrm>
+          <a:prstGeom prst="rect">
+            <a:avLst/>
+          </a:prstGeom>
+          <a:noFill/>
+        </p:spPr>
+        <p:txBody>
+          <a:bodyPr wrap="square" rtlCol="0">
+            <a:spAutoFit/>
+          </a:bodyPr>
+          <a:lstStyle/>
+          <a:p>
+            <a:r>
+              <a:rPr lang="en-US" sz="3200" dirty="0">
+                <a:latin typeface="Fira Sans" panose="020B0503050000020004" pitchFamily="34" charset="0"/>
+                <a:ea typeface="Fira Sans" panose="020B0503050000020004" pitchFamily="34" charset="0"/>
+              </a:rPr>
+              <a:t>~</a:t>
+            </a:r>
+          </a:p>
+        </p:txBody>
+      </p:sp>
+      <p:sp>
+        <p:nvSpPr>
+          <p:cNvPr id="30" name="TextBox 29">
+            <a:extLst>
+              <a:ext uri="{FF2B5EF4-FFF2-40B4-BE49-F238E27FC236}">
+                <a16:creationId xmlns:a16="http://schemas.microsoft.com/office/drawing/2014/main" id="{45301413-ADFF-5D4A-82A2-3B84C09CE5A6}"/>
+              </a:ext>
+            </a:extLst>
+          </p:cNvPr>
+          <p:cNvSpPr txBox="1"/>
+          <p:nvPr/>
+        </p:nvSpPr>
+        <p:spPr>
+          <a:xfrm>
+            <a:off x="6498998" y="2391476"/>
+            <a:ext cx="643266" cy="584775"/>
+          </a:xfrm>
+          <a:prstGeom prst="rect">
+            <a:avLst/>
+          </a:prstGeom>
+          <a:noFill/>
+        </p:spPr>
+        <p:txBody>
+          <a:bodyPr wrap="square" rtlCol="0">
+            <a:spAutoFit/>
+          </a:bodyPr>
+          <a:lstStyle/>
+          <a:p>
+            <a:r>
+              <a:rPr lang="en-US" sz="3200" dirty="0">
+                <a:latin typeface="Fira Sans" panose="020B0503050000020004" pitchFamily="34" charset="0"/>
+                <a:ea typeface="Fira Sans" panose="020B0503050000020004" pitchFamily="34" charset="0"/>
+              </a:rPr>
+              <a:t>~</a:t>
+            </a:r>
+          </a:p>
+        </p:txBody>
+      </p:sp>
+      <p:sp>
+        <p:nvSpPr>
+          <p:cNvPr id="31" name="TextBox 30">
+            <a:extLst>
+              <a:ext uri="{FF2B5EF4-FFF2-40B4-BE49-F238E27FC236}">
+                <a16:creationId xmlns:a16="http://schemas.microsoft.com/office/drawing/2014/main" id="{73DDD1FC-729A-2D4A-9588-08EFE0735474}"/>
+              </a:ext>
+            </a:extLst>
+          </p:cNvPr>
+          <p:cNvSpPr txBox="1"/>
+          <p:nvPr/>
+        </p:nvSpPr>
+        <p:spPr>
+          <a:xfrm>
+            <a:off x="6982402" y="2366593"/>
+            <a:ext cx="643266" cy="584775"/>
+          </a:xfrm>
+          <a:prstGeom prst="rect">
+            <a:avLst/>
+          </a:prstGeom>
+          <a:noFill/>
+        </p:spPr>
+        <p:txBody>
+          <a:bodyPr wrap="square" rtlCol="0">
+            <a:spAutoFit/>
+          </a:bodyPr>
+          <a:lstStyle/>
+          <a:p>
+            <a:r>
+              <a:rPr lang="en-US" sz="3200" dirty="0">
+                <a:latin typeface="Fira Sans" panose="020B0503050000020004" pitchFamily="34" charset="0"/>
+                <a:ea typeface="Fira Sans" panose="020B0503050000020004" pitchFamily="34" charset="0"/>
+              </a:rPr>
+              <a:t>~</a:t>
+            </a:r>
+          </a:p>
+        </p:txBody>
+      </p:sp>
+      <p:sp>
+        <p:nvSpPr>
+          <p:cNvPr id="32" name="TextBox 31">
+            <a:extLst>
+              <a:ext uri="{FF2B5EF4-FFF2-40B4-BE49-F238E27FC236}">
+                <a16:creationId xmlns:a16="http://schemas.microsoft.com/office/drawing/2014/main" id="{BC3A53A8-B9F2-D240-BCDC-733249C12D04}"/>
+              </a:ext>
+            </a:extLst>
+          </p:cNvPr>
+          <p:cNvSpPr txBox="1"/>
+          <p:nvPr/>
+        </p:nvSpPr>
+        <p:spPr>
+          <a:xfrm>
+            <a:off x="7508023" y="2369704"/>
+            <a:ext cx="643266" cy="584775"/>
+          </a:xfrm>
+          <a:prstGeom prst="rect">
+            <a:avLst/>
+          </a:prstGeom>
+          <a:noFill/>
+        </p:spPr>
+        <p:txBody>
+          <a:bodyPr wrap="square" rtlCol="0">
+            <a:spAutoFit/>
+          </a:bodyPr>
+          <a:lstStyle/>
+          <a:p>
+            <a:r>
+              <a:rPr lang="en-US" sz="3200" dirty="0">
+                <a:latin typeface="Fira Sans" panose="020B0503050000020004" pitchFamily="34" charset="0"/>
+                <a:ea typeface="Fira Sans" panose="020B0503050000020004" pitchFamily="34" charset="0"/>
+              </a:rPr>
+              <a:t>~</a:t>
+            </a:r>
+          </a:p>
+        </p:txBody>
+      </p:sp>
+      <p:sp>
+        <p:nvSpPr>
+          <p:cNvPr id="33" name="TextBox 32">
+            <a:extLst>
+              <a:ext uri="{FF2B5EF4-FFF2-40B4-BE49-F238E27FC236}">
+                <a16:creationId xmlns:a16="http://schemas.microsoft.com/office/drawing/2014/main" id="{3483C926-F13B-5E4E-8545-2E6C6A3B6D6C}"/>
+              </a:ext>
+            </a:extLst>
+          </p:cNvPr>
+          <p:cNvSpPr txBox="1"/>
+          <p:nvPr/>
+        </p:nvSpPr>
+        <p:spPr>
+          <a:xfrm>
+            <a:off x="8961516" y="2366593"/>
+            <a:ext cx="643266" cy="584775"/>
+          </a:xfrm>
+          <a:prstGeom prst="rect">
+            <a:avLst/>
+          </a:prstGeom>
+          <a:noFill/>
+        </p:spPr>
+        <p:txBody>
+          <a:bodyPr wrap="square" rtlCol="0">
+            <a:spAutoFit/>
+          </a:bodyPr>
+          <a:lstStyle/>
+          <a:p>
+            <a:r>
+              <a:rPr lang="en-US" sz="3200" dirty="0">
+                <a:latin typeface="Fira Sans" panose="020B0503050000020004" pitchFamily="34" charset="0"/>
+                <a:ea typeface="Fira Sans" panose="020B0503050000020004" pitchFamily="34" charset="0"/>
+              </a:rPr>
+              <a:t>~</a:t>
+            </a:r>
+          </a:p>
+        </p:txBody>
+      </p:sp>
+      <p:sp>
+        <p:nvSpPr>
+          <p:cNvPr id="34" name="TextBox 33">
+            <a:extLst>
+              <a:ext uri="{FF2B5EF4-FFF2-40B4-BE49-F238E27FC236}">
+                <a16:creationId xmlns:a16="http://schemas.microsoft.com/office/drawing/2014/main" id="{0068893E-A2A3-AB4C-B437-534E3761CC8D}"/>
+              </a:ext>
+            </a:extLst>
+          </p:cNvPr>
+          <p:cNvSpPr txBox="1"/>
+          <p:nvPr/>
+        </p:nvSpPr>
+        <p:spPr>
+          <a:xfrm>
+            <a:off x="5992038" y="2543696"/>
+            <a:ext cx="643266" cy="584775"/>
+          </a:xfrm>
+          <a:prstGeom prst="rect">
+            <a:avLst/>
+          </a:prstGeom>
+          <a:noFill/>
+        </p:spPr>
+        <p:txBody>
+          <a:bodyPr wrap="square" rtlCol="0">
+            <a:spAutoFit/>
+          </a:bodyPr>
+          <a:lstStyle/>
+          <a:p>
+            <a:r>
+              <a:rPr lang="en-US" sz="3200" dirty="0">
+                <a:latin typeface="Fira Sans" panose="020B0503050000020004" pitchFamily="34" charset="0"/>
+                <a:ea typeface="Fira Sans" panose="020B0503050000020004" pitchFamily="34" charset="0"/>
+              </a:rPr>
+              <a:t>x</a:t>
+            </a:r>
+            <a:r>
+              <a:rPr lang="en-US" sz="3200" baseline="-25000" dirty="0">
+                <a:latin typeface="Fira Sans" panose="020B0503050000020004" pitchFamily="34" charset="0"/>
+                <a:ea typeface="Fira Sans" panose="020B0503050000020004" pitchFamily="34" charset="0"/>
+              </a:rPr>
+              <a:t>1</a:t>
+            </a:r>
+            <a:endParaRPr lang="en-US" sz="3200" dirty="0">
+              <a:latin typeface="Fira Sans" panose="020B0503050000020004" pitchFamily="34" charset="0"/>
+              <a:ea typeface="Fira Sans" panose="020B0503050000020004" pitchFamily="34" charset="0"/>
+            </a:endParaRPr>
+          </a:p>
+        </p:txBody>
+      </p:sp>
+      <p:sp>
+        <p:nvSpPr>
+          <p:cNvPr id="35" name="TextBox 34">
+            <a:extLst>
+              <a:ext uri="{FF2B5EF4-FFF2-40B4-BE49-F238E27FC236}">
+                <a16:creationId xmlns:a16="http://schemas.microsoft.com/office/drawing/2014/main" id="{5BCCA8D8-A18B-714E-A058-6E2E08E7AB75}"/>
+              </a:ext>
+            </a:extLst>
+          </p:cNvPr>
+          <p:cNvSpPr txBox="1"/>
+          <p:nvPr/>
+        </p:nvSpPr>
+        <p:spPr>
+          <a:xfrm>
+            <a:off x="6492023" y="2543696"/>
+            <a:ext cx="643266" cy="584775"/>
+          </a:xfrm>
+          <a:prstGeom prst="rect">
+            <a:avLst/>
+          </a:prstGeom>
+          <a:noFill/>
+        </p:spPr>
+        <p:txBody>
+          <a:bodyPr wrap="square" rtlCol="0">
+            <a:spAutoFit/>
+          </a:bodyPr>
+          <a:lstStyle/>
+          <a:p>
+            <a:r>
+              <a:rPr lang="en-US" sz="3200" dirty="0">
+                <a:latin typeface="Fira Sans" panose="020B0503050000020004" pitchFamily="34" charset="0"/>
+                <a:ea typeface="Fira Sans" panose="020B0503050000020004" pitchFamily="34" charset="0"/>
+              </a:rPr>
+              <a:t>x</a:t>
+            </a:r>
+            <a:r>
+              <a:rPr lang="en-US" sz="3200" baseline="-25000" dirty="0">
+                <a:latin typeface="Fira Sans" panose="020B0503050000020004" pitchFamily="34" charset="0"/>
+                <a:ea typeface="Fira Sans" panose="020B0503050000020004" pitchFamily="34" charset="0"/>
+              </a:rPr>
+              <a:t>2</a:t>
+            </a:r>
+            <a:endParaRPr lang="en-US" sz="3200" dirty="0">
+              <a:latin typeface="Fira Sans" panose="020B0503050000020004" pitchFamily="34" charset="0"/>
+              <a:ea typeface="Fira Sans" panose="020B0503050000020004" pitchFamily="34" charset="0"/>
+            </a:endParaRPr>
+          </a:p>
+        </p:txBody>
+      </p:sp>
+      <p:sp>
+        <p:nvSpPr>
+          <p:cNvPr id="36" name="TextBox 35">
+            <a:extLst>
+              <a:ext uri="{FF2B5EF4-FFF2-40B4-BE49-F238E27FC236}">
+                <a16:creationId xmlns:a16="http://schemas.microsoft.com/office/drawing/2014/main" id="{AF71CF7E-52B5-3D46-8F98-878155A456A4}"/>
+              </a:ext>
+            </a:extLst>
+          </p:cNvPr>
+          <p:cNvSpPr txBox="1"/>
+          <p:nvPr/>
+        </p:nvSpPr>
+        <p:spPr>
+          <a:xfrm>
+            <a:off x="8973209" y="2543696"/>
+            <a:ext cx="1522018" cy="584775"/>
+          </a:xfrm>
+          <a:prstGeom prst="rect">
+            <a:avLst/>
+          </a:prstGeom>
+          <a:noFill/>
+        </p:spPr>
+        <p:txBody>
+          <a:bodyPr wrap="square" rtlCol="0">
+            <a:spAutoFit/>
+          </a:bodyPr>
+          <a:lstStyle/>
+          <a:p>
+            <a:r>
+              <a:rPr lang="en-US" sz="3200" dirty="0">
+                <a:latin typeface="Fira Sans" panose="020B0503050000020004" pitchFamily="34" charset="0"/>
+                <a:ea typeface="Fira Sans" panose="020B0503050000020004" pitchFamily="34" charset="0"/>
+              </a:rPr>
+              <a:t>x</a:t>
+            </a:r>
+            <a:r>
+              <a:rPr lang="en-US" sz="3200" baseline="-25000" dirty="0">
+                <a:latin typeface="Fira Sans" panose="020B0503050000020004" pitchFamily="34" charset="0"/>
+                <a:ea typeface="Fira Sans" panose="020B0503050000020004" pitchFamily="34" charset="0"/>
+              </a:rPr>
+              <a:t>1 billion</a:t>
+            </a:r>
+            <a:endParaRPr lang="en-US" sz="3200" dirty="0">
+              <a:latin typeface="Fira Sans" panose="020B0503050000020004" pitchFamily="34" charset="0"/>
+              <a:ea typeface="Fira Sans" panose="020B0503050000020004" pitchFamily="34" charset="0"/>
+            </a:endParaRPr>
+          </a:p>
+        </p:txBody>
+      </p:sp>
+      <p:sp>
+        <p:nvSpPr>
+          <p:cNvPr id="37" name="TextBox 36">
+            <a:extLst>
+              <a:ext uri="{FF2B5EF4-FFF2-40B4-BE49-F238E27FC236}">
+                <a16:creationId xmlns:a16="http://schemas.microsoft.com/office/drawing/2014/main" id="{88FB69B9-EE74-3245-BFB3-D5905E9CC975}"/>
+              </a:ext>
+            </a:extLst>
+          </p:cNvPr>
+          <p:cNvSpPr txBox="1"/>
+          <p:nvPr/>
+        </p:nvSpPr>
+        <p:spPr>
+          <a:xfrm>
+            <a:off x="7015359" y="2543696"/>
+            <a:ext cx="643266" cy="584775"/>
+          </a:xfrm>
+          <a:prstGeom prst="rect">
+            <a:avLst/>
+          </a:prstGeom>
+          <a:noFill/>
+        </p:spPr>
+        <p:txBody>
+          <a:bodyPr wrap="square" rtlCol="0">
+            <a:spAutoFit/>
+          </a:bodyPr>
+          <a:lstStyle/>
+          <a:p>
+            <a:r>
+              <a:rPr lang="en-US" sz="3200" dirty="0">
+                <a:latin typeface="Fira Sans" panose="020B0503050000020004" pitchFamily="34" charset="0"/>
+                <a:ea typeface="Fira Sans" panose="020B0503050000020004" pitchFamily="34" charset="0"/>
+              </a:rPr>
+              <a:t>x</a:t>
+            </a:r>
+            <a:r>
+              <a:rPr lang="en-US" sz="3200" baseline="-25000" dirty="0">
+                <a:latin typeface="Fira Sans" panose="020B0503050000020004" pitchFamily="34" charset="0"/>
+                <a:ea typeface="Fira Sans" panose="020B0503050000020004" pitchFamily="34" charset="0"/>
+              </a:rPr>
+              <a:t>3</a:t>
+            </a:r>
+            <a:endParaRPr lang="en-US" sz="3200" dirty="0">
+              <a:latin typeface="Fira Sans" panose="020B0503050000020004" pitchFamily="34" charset="0"/>
+              <a:ea typeface="Fira Sans" panose="020B0503050000020004" pitchFamily="34" charset="0"/>
+            </a:endParaRPr>
+          </a:p>
+        </p:txBody>
+      </p:sp>
+      <p:sp>
+        <p:nvSpPr>
+          <p:cNvPr id="38" name="TextBox 37">
+            <a:extLst>
+              <a:ext uri="{FF2B5EF4-FFF2-40B4-BE49-F238E27FC236}">
+                <a16:creationId xmlns:a16="http://schemas.microsoft.com/office/drawing/2014/main" id="{4106A9CF-76D3-F948-A5AD-C7848C6D793B}"/>
+              </a:ext>
+            </a:extLst>
+          </p:cNvPr>
+          <p:cNvSpPr txBox="1"/>
+          <p:nvPr/>
+        </p:nvSpPr>
+        <p:spPr>
+          <a:xfrm>
+            <a:off x="7515344" y="2543696"/>
+            <a:ext cx="643266" cy="584775"/>
+          </a:xfrm>
+          <a:prstGeom prst="rect">
+            <a:avLst/>
+          </a:prstGeom>
+          <a:noFill/>
+        </p:spPr>
+        <p:txBody>
+          <a:bodyPr wrap="square" rtlCol="0">
+            <a:spAutoFit/>
+          </a:bodyPr>
+          <a:lstStyle/>
+          <a:p>
+            <a:r>
+              <a:rPr lang="en-US" sz="3200" dirty="0">
+                <a:latin typeface="Fira Sans" panose="020B0503050000020004" pitchFamily="34" charset="0"/>
+                <a:ea typeface="Fira Sans" panose="020B0503050000020004" pitchFamily="34" charset="0"/>
+              </a:rPr>
+              <a:t>x</a:t>
+            </a:r>
+            <a:r>
+              <a:rPr lang="en-US" sz="3200" baseline="-25000" dirty="0">
+                <a:latin typeface="Fira Sans" panose="020B0503050000020004" pitchFamily="34" charset="0"/>
+                <a:ea typeface="Fira Sans" panose="020B0503050000020004" pitchFamily="34" charset="0"/>
+              </a:rPr>
+              <a:t>4</a:t>
+            </a:r>
+            <a:endParaRPr lang="en-US" sz="3200" dirty="0">
+              <a:latin typeface="Fira Sans" panose="020B0503050000020004" pitchFamily="34" charset="0"/>
+              <a:ea typeface="Fira Sans" panose="020B0503050000020004" pitchFamily="34" charset="0"/>
+            </a:endParaRPr>
+          </a:p>
+        </p:txBody>
+      </p:sp>
+    </p:spTree>
+    <p:extLst>
+      <p:ext uri="{BB962C8B-B14F-4D97-AF65-F5344CB8AC3E}">
+        <p14:creationId xmlns:p14="http://schemas.microsoft.com/office/powerpoint/2010/main" val="4164818029"/>
+      </p:ext>
+    </p:extLst>
+  </p:cSld>
+  <p:clrMapOvr>
+    <a:masterClrMapping/>
+  </p:clrMapOvr>
+</p:sld>
+</file>
+
+<file path=ppt/slides/slide23.xml><?xml version="1.0" encoding="utf-8"?>
+<p:sld xmlns:a="http://schemas.openxmlformats.org/drawingml/2006/main" xmlns:r="http://schemas.openxmlformats.org/officeDocument/2006/relationships" xmlns:p="http://schemas.openxmlformats.org/presentationml/2006/main">
+  <p:cSld>
+    <p:spTree>
+      <p:nvGrpSpPr>
+        <p:cNvPr id="1" name=""/>
+        <p:cNvGrpSpPr/>
+        <p:nvPr/>
+      </p:nvGrpSpPr>
+      <p:grpSpPr>
+        <a:xfrm>
+          <a:off x="0" y="0"/>
+          <a:ext cx="0" cy="0"/>
+          <a:chOff x="0" y="0"/>
+          <a:chExt cx="0" cy="0"/>
+        </a:xfrm>
+      </p:grpSpPr>
+      <p:pic>
+        <p:nvPicPr>
+          <p:cNvPr id="3074" name="Picture 2" descr="Microsoft Azure Marketplace">
+            <a:extLst>
+              <a:ext uri="{FF2B5EF4-FFF2-40B4-BE49-F238E27FC236}">
+                <a16:creationId xmlns:a16="http://schemas.microsoft.com/office/drawing/2014/main" id="{1C46988A-3195-C34D-9020-379FF7264B7E}"/>
+              </a:ext>
+            </a:extLst>
+          </p:cNvPr>
+          <p:cNvPicPr>
+            <a:picLocks noChangeAspect="1" noChangeArrowheads="1"/>
+          </p:cNvPicPr>
+          <p:nvPr/>
+        </p:nvPicPr>
+        <p:blipFill>
+          <a:blip r:embed="rId2">
+            <a:clrChange>
+              <a:clrFrom>
+                <a:srgbClr val="FFFFFF"/>
+              </a:clrFrom>
+              <a:clrTo>
+                <a:srgbClr val="FFFFFF">
+                  <a:alpha val="0"/>
+                </a:srgbClr>
+              </a:clrTo>
+            </a:clrChange>
+            <a:extLst>
+              <a:ext uri="{28A0092B-C50C-407E-A947-70E740481C1C}">
+                <a14:useLocalDpi xmlns:a14="http://schemas.microsoft.com/office/drawing/2010/main" val="0"/>
+              </a:ext>
+            </a:extLst>
+          </a:blip>
+          <a:srcRect/>
+          <a:stretch>
+            <a:fillRect/>
+          </a:stretch>
+        </p:blipFill>
+        <p:spPr bwMode="auto">
+          <a:xfrm>
+            <a:off x="1754156" y="909735"/>
+            <a:ext cx="1740159" cy="1740159"/>
+          </a:xfrm>
+          <a:prstGeom prst="rect">
+            <a:avLst/>
+          </a:prstGeom>
+          <a:noFill/>
+          <a:extLst>
+            <a:ext uri="{909E8E84-426E-40DD-AFC4-6F175D3DCCD1}">
+              <a14:hiddenFill xmlns:a14="http://schemas.microsoft.com/office/drawing/2010/main">
+                <a:solidFill>
+                  <a:srgbClr val="FFFFFF"/>
+                </a:solidFill>
+              </a14:hiddenFill>
+            </a:ext>
+          </a:extLst>
+        </p:spPr>
+      </p:pic>
+      <p:pic>
+        <p:nvPicPr>
+          <p:cNvPr id="3076" name="Picture 4" descr="Serverless Vector Database">
+            <a:extLst>
+              <a:ext uri="{FF2B5EF4-FFF2-40B4-BE49-F238E27FC236}">
+                <a16:creationId xmlns:a16="http://schemas.microsoft.com/office/drawing/2014/main" id="{106276F6-2314-0444-9256-13D73586805F}"/>
+              </a:ext>
+            </a:extLst>
+          </p:cNvPr>
+          <p:cNvPicPr>
+            <a:picLocks noChangeAspect="1" noChangeArrowheads="1"/>
+          </p:cNvPicPr>
+          <p:nvPr/>
+        </p:nvPicPr>
+        <p:blipFill rotWithShape="1">
+          <a:blip r:embed="rId3">
+            <a:clrChange>
+              <a:clrFrom>
+                <a:srgbClr val="FFFFFF"/>
+              </a:clrFrom>
+              <a:clrTo>
+                <a:srgbClr val="FFFFFF">
+                  <a:alpha val="0"/>
+                </a:srgbClr>
+              </a:clrTo>
+            </a:clrChange>
+            <a:extLst>
+              <a:ext uri="{28A0092B-C50C-407E-A947-70E740481C1C}">
+                <a14:useLocalDpi xmlns:a14="http://schemas.microsoft.com/office/drawing/2010/main" val="0"/>
+              </a:ext>
+            </a:extLst>
+          </a:blip>
+          <a:srcRect t="24396" b="15550"/>
+          <a:stretch/>
+        </p:blipFill>
+        <p:spPr bwMode="auto">
+          <a:xfrm>
+            <a:off x="2304256" y="2576999"/>
+            <a:ext cx="3309505" cy="1045028"/>
+          </a:xfrm>
+          <a:prstGeom prst="rect">
+            <a:avLst/>
+          </a:prstGeom>
+          <a:noFill/>
+          <a:extLst>
+            <a:ext uri="{909E8E84-426E-40DD-AFC4-6F175D3DCCD1}">
+              <a14:hiddenFill xmlns:a14="http://schemas.microsoft.com/office/drawing/2010/main">
+                <a:solidFill>
+                  <a:srgbClr val="FFFFFF"/>
+                </a:solidFill>
+              </a14:hiddenFill>
+            </a:ext>
+          </a:extLst>
+        </p:spPr>
+      </p:pic>
+      <p:pic>
+        <p:nvPicPr>
+          <p:cNvPr id="3078" name="Picture 6" descr="Vector Database Company Zilliz Raises ...">
+            <a:extLst>
+              <a:ext uri="{FF2B5EF4-FFF2-40B4-BE49-F238E27FC236}">
+                <a16:creationId xmlns:a16="http://schemas.microsoft.com/office/drawing/2014/main" id="{4D06F150-ACB3-FE4C-B6D4-75B05948B072}"/>
+              </a:ext>
+            </a:extLst>
+          </p:cNvPr>
+          <p:cNvPicPr>
+            <a:picLocks noChangeAspect="1" noChangeArrowheads="1"/>
+          </p:cNvPicPr>
+          <p:nvPr/>
+        </p:nvPicPr>
+        <p:blipFill rotWithShape="1">
+          <a:blip r:embed="rId4">
+            <a:clrChange>
+              <a:clrFrom>
+                <a:srgbClr val="FFFFFF"/>
+              </a:clrFrom>
+              <a:clrTo>
+                <a:srgbClr val="FFFFFF">
+                  <a:alpha val="0"/>
+                </a:srgbClr>
+              </a:clrTo>
+            </a:clrChange>
+            <a:extLst>
+              <a:ext uri="{28A0092B-C50C-407E-A947-70E740481C1C}">
+                <a14:useLocalDpi xmlns:a14="http://schemas.microsoft.com/office/drawing/2010/main" val="0"/>
+              </a:ext>
+            </a:extLst>
+          </a:blip>
+          <a:srcRect l="16209" t="15419" r="14408" b="12585"/>
+          <a:stretch/>
+        </p:blipFill>
+        <p:spPr bwMode="auto">
+          <a:xfrm>
+            <a:off x="5724187" y="2187444"/>
+            <a:ext cx="2740468" cy="1481236"/>
+          </a:xfrm>
+          <a:prstGeom prst="rect">
+            <a:avLst/>
+          </a:prstGeom>
+          <a:noFill/>
+          <a:extLst>
+            <a:ext uri="{909E8E84-426E-40DD-AFC4-6F175D3DCCD1}">
+              <a14:hiddenFill xmlns:a14="http://schemas.microsoft.com/office/drawing/2010/main">
+                <a:solidFill>
+                  <a:srgbClr val="FFFFFF"/>
+                </a:solidFill>
+              </a14:hiddenFill>
+            </a:ext>
+          </a:extLst>
+        </p:spPr>
+      </p:pic>
+      <p:pic>
+        <p:nvPicPr>
+          <p:cNvPr id="3080" name="Picture 8" descr="Qdrant Solutions Launches Managed Cloud ...">
+            <a:extLst>
+              <a:ext uri="{FF2B5EF4-FFF2-40B4-BE49-F238E27FC236}">
+                <a16:creationId xmlns:a16="http://schemas.microsoft.com/office/drawing/2014/main" id="{3F76B8EA-5319-4E4F-8388-B06218FD05AF}"/>
+              </a:ext>
+            </a:extLst>
+          </p:cNvPr>
+          <p:cNvPicPr>
+            <a:picLocks noChangeAspect="1" noChangeArrowheads="1"/>
+          </p:cNvPicPr>
+          <p:nvPr/>
+        </p:nvPicPr>
+        <p:blipFill>
+          <a:blip r:embed="rId5">
+            <a:clrChange>
+              <a:clrFrom>
+                <a:srgbClr val="FFFFFF"/>
+              </a:clrFrom>
+              <a:clrTo>
+                <a:srgbClr val="FFFFFF">
+                  <a:alpha val="0"/>
+                </a:srgbClr>
+              </a:clrTo>
+            </a:clrChange>
+            <a:extLst>
+              <a:ext uri="{28A0092B-C50C-407E-A947-70E740481C1C}">
+                <a14:useLocalDpi xmlns:a14="http://schemas.microsoft.com/office/drawing/2010/main" val="0"/>
+              </a:ext>
+            </a:extLst>
+          </a:blip>
+          <a:srcRect/>
+          <a:stretch>
+            <a:fillRect/>
+          </a:stretch>
+        </p:blipFill>
+        <p:spPr bwMode="auto">
+          <a:xfrm>
+            <a:off x="3900069" y="1003882"/>
+            <a:ext cx="3403905" cy="1789795"/>
+          </a:xfrm>
+          <a:prstGeom prst="rect">
+            <a:avLst/>
+          </a:prstGeom>
+          <a:noFill/>
+          <a:extLst>
+            <a:ext uri="{909E8E84-426E-40DD-AFC4-6F175D3DCCD1}">
+              <a14:hiddenFill xmlns:a14="http://schemas.microsoft.com/office/drawing/2010/main">
+                <a:solidFill>
+                  <a:srgbClr val="FFFFFF"/>
+                </a:solidFill>
+              </a14:hiddenFill>
+            </a:ext>
+          </a:extLst>
+        </p:spPr>
+      </p:pic>
+    </p:spTree>
+    <p:extLst>
+      <p:ext uri="{BB962C8B-B14F-4D97-AF65-F5344CB8AC3E}">
+        <p14:creationId xmlns:p14="http://schemas.microsoft.com/office/powerpoint/2010/main" val="23337934"/>
       </p:ext>
     </p:extLst>
   </p:cSld>
